--- a/ssr_presentation.pptx
+++ b/ssr_presentation.pptx
@@ -5,7 +5,7 @@
     <p:sldMasterId id="2147483686" r:id="rId1"/>
   </p:sldMasterIdLst>
   <p:notesMasterIdLst>
-    <p:notesMasterId r:id="rId47"/>
+    <p:notesMasterId r:id="rId49"/>
   </p:notesMasterIdLst>
   <p:sldIdLst>
     <p:sldId id="260" r:id="rId2"/>
@@ -31,28 +31,30 @@
     <p:sldId id="280" r:id="rId22"/>
     <p:sldId id="290" r:id="rId23"/>
     <p:sldId id="291" r:id="rId24"/>
-    <p:sldId id="292" r:id="rId25"/>
-    <p:sldId id="293" r:id="rId26"/>
-    <p:sldId id="294" r:id="rId27"/>
-    <p:sldId id="295" r:id="rId28"/>
-    <p:sldId id="281" r:id="rId29"/>
-    <p:sldId id="283" r:id="rId30"/>
-    <p:sldId id="282" r:id="rId31"/>
-    <p:sldId id="289" r:id="rId32"/>
-    <p:sldId id="284" r:id="rId33"/>
-    <p:sldId id="300" r:id="rId34"/>
-    <p:sldId id="285" r:id="rId35"/>
-    <p:sldId id="286" r:id="rId36"/>
-    <p:sldId id="309" r:id="rId37"/>
-    <p:sldId id="308" r:id="rId38"/>
-    <p:sldId id="307" r:id="rId39"/>
-    <p:sldId id="298" r:id="rId40"/>
-    <p:sldId id="299" r:id="rId41"/>
-    <p:sldId id="296" r:id="rId42"/>
-    <p:sldId id="287" r:id="rId43"/>
-    <p:sldId id="306" r:id="rId44"/>
-    <p:sldId id="305" r:id="rId45"/>
-    <p:sldId id="262" r:id="rId46"/>
+    <p:sldId id="310" r:id="rId25"/>
+    <p:sldId id="292" r:id="rId26"/>
+    <p:sldId id="293" r:id="rId27"/>
+    <p:sldId id="294" r:id="rId28"/>
+    <p:sldId id="295" r:id="rId29"/>
+    <p:sldId id="281" r:id="rId30"/>
+    <p:sldId id="283" r:id="rId31"/>
+    <p:sldId id="282" r:id="rId32"/>
+    <p:sldId id="289" r:id="rId33"/>
+    <p:sldId id="284" r:id="rId34"/>
+    <p:sldId id="300" r:id="rId35"/>
+    <p:sldId id="285" r:id="rId36"/>
+    <p:sldId id="286" r:id="rId37"/>
+    <p:sldId id="309" r:id="rId38"/>
+    <p:sldId id="308" r:id="rId39"/>
+    <p:sldId id="307" r:id="rId40"/>
+    <p:sldId id="311" r:id="rId41"/>
+    <p:sldId id="298" r:id="rId42"/>
+    <p:sldId id="299" r:id="rId43"/>
+    <p:sldId id="296" r:id="rId44"/>
+    <p:sldId id="287" r:id="rId45"/>
+    <p:sldId id="306" r:id="rId46"/>
+    <p:sldId id="305" r:id="rId47"/>
+    <p:sldId id="262" r:id="rId48"/>
   </p:sldIdLst>
   <p:sldSz cx="9144000" cy="6858000" type="screen4x3"/>
   <p:notesSz cx="6858000" cy="9144000"/>
@@ -179,6 +181,7 @@
             <p14:sldId id="280"/>
             <p14:sldId id="290"/>
             <p14:sldId id="291"/>
+            <p14:sldId id="310"/>
             <p14:sldId id="292"/>
             <p14:sldId id="293"/>
             <p14:sldId id="294"/>
@@ -194,6 +197,7 @@
             <p14:sldId id="309"/>
             <p14:sldId id="308"/>
             <p14:sldId id="307"/>
+            <p14:sldId id="311"/>
             <p14:sldId id="298"/>
             <p14:sldId id="299"/>
             <p14:sldId id="296"/>
@@ -293,7 +297,7 @@
           </a:lstStyle>
           <a:p>
             <a:fld id="{5C8FCE4A-AADA-4A08-B563-162B34043F00}" type="datetimeFigureOut">
-              <a:t>24.06.2024</a:t>
+              <a:t>02.07.2024</a:t>
             </a:fld>
             <a:endParaRPr lang="en-GB"/>
           </a:p>
@@ -7876,30 +7880,14 @@
             <a:pPr lvl="1"/>
             <a:r>
               <a:rPr lang="de-DE" sz="2200" dirty="0"/>
-              <a:t>Prüft alle DOM Nodes und entscheidet </a:t>
-            </a:r>
-            <a:r>
-              <a:rPr lang="de-DE" sz="2200" dirty="0" err="1"/>
-              <a:t>angewandeten</a:t>
-            </a:r>
+              <a:t>Prüft alle DOM Nodes und entscheidet angewandten CSS-Regeln</a:t>
+            </a:r>
+          </a:p>
+          <a:p>
+            <a:pPr lvl="1"/>
             <a:r>
               <a:rPr lang="de-DE" sz="2200" dirty="0"/>
-              <a:t> CSS-Regeln</a:t>
-            </a:r>
-          </a:p>
-          <a:p>
-            <a:pPr lvl="1"/>
-            <a:r>
-              <a:rPr lang="de-DE" sz="2200" dirty="0"/>
-              <a:t>Enthält nur </a:t>
-            </a:r>
-            <a:r>
-              <a:rPr lang="de-DE" sz="2200" dirty="0" err="1"/>
-              <a:t>sichtabren</a:t>
-            </a:r>
-            <a:r>
-              <a:rPr lang="de-DE" sz="2200" dirty="0"/>
-              <a:t> Inhalt</a:t>
+              <a:t>Enthält nur sichtbaren Inhalt</a:t>
             </a:r>
           </a:p>
           <a:p>
@@ -11701,6 +11689,89 @@
           <p:cNvPr id="2" name="Text Placeholder 1">
             <a:extLst>
               <a:ext uri="{FF2B5EF4-FFF2-40B4-BE49-F238E27FC236}">
+                <a16:creationId xmlns:a16="http://schemas.microsoft.com/office/drawing/2014/main" id="{F2438F49-3321-D285-86E0-763815BA5B48}"/>
+              </a:ext>
+            </a:extLst>
+          </p:cNvPr>
+          <p:cNvSpPr>
+            <a:spLocks noGrp="1"/>
+          </p:cNvSpPr>
+          <p:nvPr>
+            <p:ph type="body" sz="quarter" idx="12"/>
+          </p:nvPr>
+        </p:nvSpPr>
+        <p:spPr/>
+        <p:txBody>
+          <a:bodyPr/>
+          <a:lstStyle/>
+          <a:p>
+            <a:endParaRPr lang="de-DE"/>
+          </a:p>
+        </p:txBody>
+      </p:sp>
+      <p:sp>
+        <p:nvSpPr>
+          <p:cNvPr id="3" name="Title 2">
+            <a:extLst>
+              <a:ext uri="{FF2B5EF4-FFF2-40B4-BE49-F238E27FC236}">
+                <a16:creationId xmlns:a16="http://schemas.microsoft.com/office/drawing/2014/main" id="{B0B1CC05-1441-A524-615D-77BD710C9C98}"/>
+              </a:ext>
+            </a:extLst>
+          </p:cNvPr>
+          <p:cNvSpPr>
+            <a:spLocks noGrp="1"/>
+          </p:cNvSpPr>
+          <p:nvPr>
+            <p:ph type="title"/>
+          </p:nvPr>
+        </p:nvSpPr>
+        <p:spPr/>
+        <p:txBody>
+          <a:bodyPr/>
+          <a:lstStyle/>
+          <a:p>
+            <a:r>
+              <a:rPr lang="de-DE" dirty="0"/>
+              <a:t>Navigation</a:t>
+            </a:r>
+          </a:p>
+        </p:txBody>
+      </p:sp>
+    </p:spTree>
+    <p:extLst>
+      <p:ext uri="{BB962C8B-B14F-4D97-AF65-F5344CB8AC3E}">
+        <p14:creationId xmlns:p14="http://schemas.microsoft.com/office/powerpoint/2010/main" val="3666111739"/>
+      </p:ext>
+    </p:extLst>
+  </p:cSld>
+  <p:clrMapOvr>
+    <a:masterClrMapping/>
+  </p:clrMapOvr>
+</p:sld>
+</file>
+
+<file path=ppt/slides/slide25.xml><?xml version="1.0" encoding="utf-8"?>
+<p:sld xmlns:a="http://schemas.openxmlformats.org/drawingml/2006/main" xmlns:r="http://schemas.openxmlformats.org/officeDocument/2006/relationships" xmlns:p="http://schemas.openxmlformats.org/presentationml/2006/main">
+  <p:cSld>
+    <p:spTree>
+      <p:nvGrpSpPr>
+        <p:cNvPr id="1" name=""/>
+        <p:cNvGrpSpPr/>
+        <p:nvPr/>
+      </p:nvGrpSpPr>
+      <p:grpSpPr>
+        <a:xfrm>
+          <a:off x="0" y="0"/>
+          <a:ext cx="0" cy="0"/>
+          <a:chOff x="0" y="0"/>
+          <a:chExt cx="0" cy="0"/>
+        </a:xfrm>
+      </p:grpSpPr>
+      <p:sp>
+        <p:nvSpPr>
+          <p:cNvPr id="2" name="Text Placeholder 1">
+            <a:extLst>
+              <a:ext uri="{FF2B5EF4-FFF2-40B4-BE49-F238E27FC236}">
                 <a16:creationId xmlns:a16="http://schemas.microsoft.com/office/drawing/2014/main" id="{3C4255F5-F3B1-76F8-02A8-422C49BA23CD}"/>
               </a:ext>
             </a:extLst>
@@ -12013,7 +12084,7 @@
 </p:sld>
 </file>
 
-<file path=ppt/slides/slide25.xml><?xml version="1.0" encoding="utf-8"?>
+<file path=ppt/slides/slide26.xml><?xml version="1.0" encoding="utf-8"?>
 <p:sld xmlns:a="http://schemas.openxmlformats.org/drawingml/2006/main" xmlns:r="http://schemas.openxmlformats.org/officeDocument/2006/relationships" xmlns:p="http://schemas.openxmlformats.org/presentationml/2006/main">
   <p:cSld>
     <p:spTree>
@@ -12218,7 +12289,7 @@
 </p:sld>
 </file>
 
-<file path=ppt/slides/slide26.xml><?xml version="1.0" encoding="utf-8"?>
+<file path=ppt/slides/slide27.xml><?xml version="1.0" encoding="utf-8"?>
 <p:sld xmlns:a="http://schemas.openxmlformats.org/drawingml/2006/main" xmlns:r="http://schemas.openxmlformats.org/officeDocument/2006/relationships" xmlns:p="http://schemas.openxmlformats.org/presentationml/2006/main">
   <p:cSld>
     <p:spTree>
@@ -12467,7 +12538,7 @@
 </p:sld>
 </file>
 
-<file path=ppt/slides/slide27.xml><?xml version="1.0" encoding="utf-8"?>
+<file path=ppt/slides/slide28.xml><?xml version="1.0" encoding="utf-8"?>
 <p:sld xmlns:a="http://schemas.openxmlformats.org/drawingml/2006/main" xmlns:r="http://schemas.openxmlformats.org/officeDocument/2006/relationships" xmlns:p="http://schemas.openxmlformats.org/presentationml/2006/main">
   <p:cSld>
     <p:spTree>
@@ -12797,133 +12868,6 @@
     <p:extLst>
       <p:ext uri="{BB962C8B-B14F-4D97-AF65-F5344CB8AC3E}">
         <p14:creationId xmlns:p14="http://schemas.microsoft.com/office/powerpoint/2010/main" val="622717015"/>
-      </p:ext>
-    </p:extLst>
-  </p:cSld>
-  <p:clrMapOvr>
-    <a:masterClrMapping/>
-  </p:clrMapOvr>
-</p:sld>
-</file>
-
-<file path=ppt/slides/slide28.xml><?xml version="1.0" encoding="utf-8"?>
-<p:sld xmlns:a="http://schemas.openxmlformats.org/drawingml/2006/main" xmlns:r="http://schemas.openxmlformats.org/officeDocument/2006/relationships" xmlns:p="http://schemas.openxmlformats.org/presentationml/2006/main">
-  <p:cSld>
-    <p:spTree>
-      <p:nvGrpSpPr>
-        <p:cNvPr id="1" name=""/>
-        <p:cNvGrpSpPr/>
-        <p:nvPr/>
-      </p:nvGrpSpPr>
-      <p:grpSpPr>
-        <a:xfrm>
-          <a:off x="0" y="0"/>
-          <a:ext cx="0" cy="0"/>
-          <a:chOff x="0" y="0"/>
-          <a:chExt cx="0" cy="0"/>
-        </a:xfrm>
-      </p:grpSpPr>
-      <p:sp>
-        <p:nvSpPr>
-          <p:cNvPr id="2" name="Title 1">
-            <a:extLst>
-              <a:ext uri="{FF2B5EF4-FFF2-40B4-BE49-F238E27FC236}">
-                <a16:creationId xmlns:a16="http://schemas.microsoft.com/office/drawing/2014/main" id="{6077828E-EF5D-4D9C-82D2-9AB685FB343E}"/>
-              </a:ext>
-            </a:extLst>
-          </p:cNvPr>
-          <p:cNvSpPr>
-            <a:spLocks noGrp="1"/>
-          </p:cNvSpPr>
-          <p:nvPr>
-            <p:ph type="title"/>
-          </p:nvPr>
-        </p:nvSpPr>
-        <p:spPr/>
-        <p:txBody>
-          <a:bodyPr/>
-          <a:lstStyle/>
-          <a:p>
-            <a:r>
-              <a:rPr lang="de-DE" dirty="0"/>
-              <a:t>Aufgabe 2</a:t>
-            </a:r>
-          </a:p>
-        </p:txBody>
-      </p:sp>
-      <p:sp>
-        <p:nvSpPr>
-          <p:cNvPr id="3" name="Content Placeholder 2">
-            <a:extLst>
-              <a:ext uri="{FF2B5EF4-FFF2-40B4-BE49-F238E27FC236}">
-                <a16:creationId xmlns:a16="http://schemas.microsoft.com/office/drawing/2014/main" id="{0903BBC0-3028-FDC0-6477-CB56B34F9F53}"/>
-              </a:ext>
-            </a:extLst>
-          </p:cNvPr>
-          <p:cNvSpPr>
-            <a:spLocks noGrp="1"/>
-          </p:cNvSpPr>
-          <p:nvPr>
-            <p:ph idx="1"/>
-          </p:nvPr>
-        </p:nvSpPr>
-        <p:spPr/>
-        <p:txBody>
-          <a:bodyPr>
-            <a:normAutofit/>
-          </a:bodyPr>
-          <a:lstStyle/>
-          <a:p>
-            <a:r>
-              <a:rPr lang="de-DE" sz="2400" dirty="0"/>
-              <a:t>Implementiert die Anwendung mit </a:t>
-            </a:r>
-            <a:r>
-              <a:rPr lang="de-DE" sz="2400" dirty="0" err="1"/>
-              <a:t>SvelteKit</a:t>
-            </a:r>
-            <a:endParaRPr lang="de-DE" sz="2400" dirty="0"/>
-          </a:p>
-          <a:p>
-            <a:endParaRPr lang="de-DE" sz="2400" dirty="0"/>
-          </a:p>
-          <a:p>
-            <a:r>
-              <a:rPr lang="de-DE" sz="2400" dirty="0"/>
-              <a:t>Die Genaue Anleitung ist im Repository</a:t>
-            </a:r>
-          </a:p>
-        </p:txBody>
-      </p:sp>
-      <p:sp>
-        <p:nvSpPr>
-          <p:cNvPr id="4" name="Text Placeholder 3">
-            <a:extLst>
-              <a:ext uri="{FF2B5EF4-FFF2-40B4-BE49-F238E27FC236}">
-                <a16:creationId xmlns:a16="http://schemas.microsoft.com/office/drawing/2014/main" id="{E35E8731-288D-BF58-69C5-5CFFA350EE3D}"/>
-              </a:ext>
-            </a:extLst>
-          </p:cNvPr>
-          <p:cNvSpPr>
-            <a:spLocks noGrp="1"/>
-          </p:cNvSpPr>
-          <p:nvPr>
-            <p:ph type="body" idx="10"/>
-          </p:nvPr>
-        </p:nvSpPr>
-        <p:spPr/>
-        <p:txBody>
-          <a:bodyPr/>
-          <a:lstStyle/>
-          <a:p>
-            <a:endParaRPr lang="de-DE"/>
-          </a:p>
-        </p:txBody>
-      </p:sp>
-    </p:spTree>
-    <p:extLst>
-      <p:ext uri="{BB962C8B-B14F-4D97-AF65-F5344CB8AC3E}">
-        <p14:creationId xmlns:p14="http://schemas.microsoft.com/office/powerpoint/2010/main" val="4036696167"/>
       </p:ext>
     </p:extLst>
   </p:cSld>
@@ -12955,7 +12899,7 @@
           <p:cNvPr id="2" name="Title 1">
             <a:extLst>
               <a:ext uri="{FF2B5EF4-FFF2-40B4-BE49-F238E27FC236}">
-                <a16:creationId xmlns:a16="http://schemas.microsoft.com/office/drawing/2014/main" id="{5551D43F-E14C-1986-1DCF-98F5A2BB653E}"/>
+                <a16:creationId xmlns:a16="http://schemas.microsoft.com/office/drawing/2014/main" id="{6077828E-EF5D-4D9C-82D2-9AB685FB343E}"/>
               </a:ext>
             </a:extLst>
           </p:cNvPr>
@@ -12963,30 +12907,94 @@
             <a:spLocks noGrp="1"/>
           </p:cNvSpPr>
           <p:nvPr>
-            <p:ph type="ctrTitle"/>
-          </p:nvPr>
-        </p:nvSpPr>
-        <p:spPr>
-          <a:xfrm>
-            <a:off x="922965" y="2132012"/>
-            <a:ext cx="8078787" cy="1296988"/>
-          </a:xfrm>
-        </p:spPr>
+            <p:ph type="title"/>
+          </p:nvPr>
+        </p:nvSpPr>
+        <p:spPr/>
         <p:txBody>
           <a:bodyPr/>
           <a:lstStyle/>
           <a:p>
             <a:r>
               <a:rPr lang="de-DE" dirty="0"/>
-              <a:t>Pause (10 Minuten)</a:t>
-            </a:r>
+              <a:t>Aufgabe 2</a:t>
+            </a:r>
+          </a:p>
+        </p:txBody>
+      </p:sp>
+      <p:sp>
+        <p:nvSpPr>
+          <p:cNvPr id="3" name="Content Placeholder 2">
+            <a:extLst>
+              <a:ext uri="{FF2B5EF4-FFF2-40B4-BE49-F238E27FC236}">
+                <a16:creationId xmlns:a16="http://schemas.microsoft.com/office/drawing/2014/main" id="{0903BBC0-3028-FDC0-6477-CB56B34F9F53}"/>
+              </a:ext>
+            </a:extLst>
+          </p:cNvPr>
+          <p:cNvSpPr>
+            <a:spLocks noGrp="1"/>
+          </p:cNvSpPr>
+          <p:nvPr>
+            <p:ph idx="1"/>
+          </p:nvPr>
+        </p:nvSpPr>
+        <p:spPr/>
+        <p:txBody>
+          <a:bodyPr>
+            <a:normAutofit/>
+          </a:bodyPr>
+          <a:lstStyle/>
+          <a:p>
+            <a:r>
+              <a:rPr lang="de-DE" sz="2400" dirty="0"/>
+              <a:t>Implementiert die Anwendung mit </a:t>
+            </a:r>
+            <a:r>
+              <a:rPr lang="de-DE" sz="2400" dirty="0" err="1"/>
+              <a:t>SvelteKit</a:t>
+            </a:r>
+            <a:endParaRPr lang="de-DE" sz="2400" dirty="0"/>
+          </a:p>
+          <a:p>
+            <a:endParaRPr lang="de-DE" sz="2400" dirty="0"/>
+          </a:p>
+          <a:p>
+            <a:r>
+              <a:rPr lang="de-DE" sz="2400" dirty="0"/>
+              <a:t>Die Genaue Anleitung ist im Repository</a:t>
+            </a:r>
+          </a:p>
+        </p:txBody>
+      </p:sp>
+      <p:sp>
+        <p:nvSpPr>
+          <p:cNvPr id="4" name="Text Placeholder 3">
+            <a:extLst>
+              <a:ext uri="{FF2B5EF4-FFF2-40B4-BE49-F238E27FC236}">
+                <a16:creationId xmlns:a16="http://schemas.microsoft.com/office/drawing/2014/main" id="{E35E8731-288D-BF58-69C5-5CFFA350EE3D}"/>
+              </a:ext>
+            </a:extLst>
+          </p:cNvPr>
+          <p:cNvSpPr>
+            <a:spLocks noGrp="1"/>
+          </p:cNvSpPr>
+          <p:nvPr>
+            <p:ph type="body" idx="10"/>
+          </p:nvPr>
+        </p:nvSpPr>
+        <p:spPr/>
+        <p:txBody>
+          <a:bodyPr/>
+          <a:lstStyle/>
+          <a:p>
+            <a:endParaRPr lang="de-DE"/>
           </a:p>
         </p:txBody>
       </p:sp>
     </p:spTree>
     <p:extLst>
       <p:ext uri="{BB962C8B-B14F-4D97-AF65-F5344CB8AC3E}">
-        <p14:creationId xmlns:p14="http://schemas.microsoft.com/office/powerpoint/2010/main" val="2964982594"/>
+        <p14:creationId xmlns:p14="http://schemas.microsoft.com/office/powerpoint/2010/main" val="4036696167"/>
       </p:ext>
     </p:extLst>
   </p:cSld>
@@ -13185,7 +13193,7 @@
           <p:cNvPr id="2" name="Title 1">
             <a:extLst>
               <a:ext uri="{FF2B5EF4-FFF2-40B4-BE49-F238E27FC236}">
-                <a16:creationId xmlns:a16="http://schemas.microsoft.com/office/drawing/2014/main" id="{608C1C0C-7C13-81CF-5D57-8EF5A0E5F994}"/>
+                <a16:creationId xmlns:a16="http://schemas.microsoft.com/office/drawing/2014/main" id="{5551D43F-E14C-1986-1DCF-98F5A2BB653E}"/>
               </a:ext>
             </a:extLst>
           </p:cNvPr>
@@ -13193,80 +13201,30 @@
             <a:spLocks noGrp="1"/>
           </p:cNvSpPr>
           <p:nvPr>
-            <p:ph type="title"/>
-          </p:nvPr>
-        </p:nvSpPr>
-        <p:spPr/>
+            <p:ph type="ctrTitle"/>
+          </p:nvPr>
+        </p:nvSpPr>
+        <p:spPr>
+          <a:xfrm>
+            <a:off x="922965" y="2132012"/>
+            <a:ext cx="8078787" cy="1296988"/>
+          </a:xfrm>
+        </p:spPr>
         <p:txBody>
           <a:bodyPr/>
           <a:lstStyle/>
           <a:p>
             <a:r>
               <a:rPr lang="de-DE" dirty="0"/>
-              <a:t>Aufgabe 3</a:t>
-            </a:r>
-          </a:p>
-        </p:txBody>
-      </p:sp>
-      <p:sp>
-        <p:nvSpPr>
-          <p:cNvPr id="3" name="Content Placeholder 2">
-            <a:extLst>
-              <a:ext uri="{FF2B5EF4-FFF2-40B4-BE49-F238E27FC236}">
-                <a16:creationId xmlns:a16="http://schemas.microsoft.com/office/drawing/2014/main" id="{3CEE6B4B-85DA-3BD3-0A92-78FA65576F3E}"/>
-              </a:ext>
-            </a:extLst>
-          </p:cNvPr>
-          <p:cNvSpPr>
-            <a:spLocks noGrp="1"/>
-          </p:cNvSpPr>
-          <p:nvPr>
-            <p:ph idx="1"/>
-          </p:nvPr>
-        </p:nvSpPr>
-        <p:spPr/>
-        <p:txBody>
-          <a:bodyPr>
-            <a:normAutofit/>
-          </a:bodyPr>
-          <a:lstStyle/>
-          <a:p>
-            <a:r>
-              <a:rPr lang="de-DE" sz="2400" dirty="0"/>
-              <a:t>Schaltet CSR für die Anwendung aus und vergleicht die Netzwerkanalyse und DOM mit den zwei anderen Anwendungen</a:t>
-            </a:r>
-          </a:p>
-        </p:txBody>
-      </p:sp>
-      <p:sp>
-        <p:nvSpPr>
-          <p:cNvPr id="4" name="Text Placeholder 3">
-            <a:extLst>
-              <a:ext uri="{FF2B5EF4-FFF2-40B4-BE49-F238E27FC236}">
-                <a16:creationId xmlns:a16="http://schemas.microsoft.com/office/drawing/2014/main" id="{EF4893E2-687C-D711-5496-0A07241D15F7}"/>
-              </a:ext>
-            </a:extLst>
-          </p:cNvPr>
-          <p:cNvSpPr>
-            <a:spLocks noGrp="1"/>
-          </p:cNvSpPr>
-          <p:nvPr>
-            <p:ph type="body" idx="10"/>
-          </p:nvPr>
-        </p:nvSpPr>
-        <p:spPr/>
-        <p:txBody>
-          <a:bodyPr/>
-          <a:lstStyle/>
-          <a:p>
-            <a:endParaRPr lang="de-DE"/>
+              <a:t>Pause (10 Minuten)</a:t>
+            </a:r>
           </a:p>
         </p:txBody>
       </p:sp>
     </p:spTree>
     <p:extLst>
       <p:ext uri="{BB962C8B-B14F-4D97-AF65-F5344CB8AC3E}">
-        <p14:creationId xmlns:p14="http://schemas.microsoft.com/office/powerpoint/2010/main" val="3002484173"/>
+        <p14:creationId xmlns:p14="http://schemas.microsoft.com/office/powerpoint/2010/main" val="2964982594"/>
       </p:ext>
     </p:extLst>
   </p:cSld>
@@ -13298,7 +13256,7 @@
           <p:cNvPr id="2" name="Title 1">
             <a:extLst>
               <a:ext uri="{FF2B5EF4-FFF2-40B4-BE49-F238E27FC236}">
-                <a16:creationId xmlns:a16="http://schemas.microsoft.com/office/drawing/2014/main" id="{DC7BA470-1F5E-528C-6492-D5BE0B15BC0C}"/>
+                <a16:creationId xmlns:a16="http://schemas.microsoft.com/office/drawing/2014/main" id="{608C1C0C-7C13-81CF-5D57-8EF5A0E5F994}"/>
               </a:ext>
             </a:extLst>
           </p:cNvPr>
@@ -13316,7 +13274,7 @@
           <a:p>
             <a:r>
               <a:rPr lang="de-DE" dirty="0"/>
-              <a:t>Hydration</a:t>
+              <a:t>Aufgabe 3</a:t>
             </a:r>
           </a:p>
         </p:txBody>
@@ -13326,7 +13284,7 @@
           <p:cNvPr id="3" name="Content Placeholder 2">
             <a:extLst>
               <a:ext uri="{FF2B5EF4-FFF2-40B4-BE49-F238E27FC236}">
-                <a16:creationId xmlns:a16="http://schemas.microsoft.com/office/drawing/2014/main" id="{09DE4392-89A4-49AE-ED6C-A053F8EA1B92}"/>
+                <a16:creationId xmlns:a16="http://schemas.microsoft.com/office/drawing/2014/main" id="{3CEE6B4B-85DA-3BD3-0A92-78FA65576F3E}"/>
               </a:ext>
             </a:extLst>
           </p:cNvPr>
@@ -13339,58 +13297,14 @@
         </p:nvSpPr>
         <p:spPr/>
         <p:txBody>
-          <a:bodyPr/>
+          <a:bodyPr>
+            <a:normAutofit/>
+          </a:bodyPr>
           <a:lstStyle/>
           <a:p>
-            <a:pPr marL="342900" indent="-342900">
-              <a:buFont typeface="Arial" panose="020B0604020202020204" pitchFamily="34" charset="0"/>
-              <a:buChar char="•"/>
-            </a:pPr>
-            <a:r>
-              <a:rPr lang="de-DE" dirty="0"/>
-              <a:t>SSR-Anwendungen sind standardmäßig statisch</a:t>
-            </a:r>
-          </a:p>
-          <a:p>
-            <a:pPr marL="342900" indent="-342900">
-              <a:buFont typeface="Arial" panose="020B0604020202020204" pitchFamily="34" charset="0"/>
-              <a:buChar char="•"/>
-            </a:pPr>
-            <a:r>
-              <a:rPr lang="de-DE" dirty="0"/>
-              <a:t>Hydration ist das Binden von JavaScript an die DOM</a:t>
-            </a:r>
-          </a:p>
-          <a:p>
-            <a:pPr marL="342900" indent="-342900">
-              <a:buFont typeface="Arial" panose="020B0604020202020204" pitchFamily="34" charset="0"/>
-              <a:buChar char="•"/>
-            </a:pPr>
-            <a:r>
-              <a:rPr lang="de-DE" dirty="0"/>
-              <a:t>Fügt wieder Interaktion und Client Side Navigation hinzu</a:t>
-            </a:r>
-          </a:p>
-          <a:p>
-            <a:pPr marL="342900" indent="-342900">
-              <a:buFont typeface="Arial" panose="020B0604020202020204" pitchFamily="34" charset="0"/>
-              <a:buChar char="•"/>
-            </a:pPr>
-            <a:endParaRPr lang="de-DE" dirty="0"/>
-          </a:p>
-          <a:p>
-            <a:pPr algn="ctr"/>
-            <a:r>
-              <a:rPr lang="de-DE" b="1" dirty="0"/>
-              <a:t>Best </a:t>
-            </a:r>
-            <a:r>
-              <a:rPr lang="de-DE" b="1" dirty="0" err="1"/>
-              <a:t>of</a:t>
-            </a:r>
-            <a:r>
-              <a:rPr lang="de-DE" b="1" dirty="0"/>
-              <a:t> Both Worlds</a:t>
+            <a:r>
+              <a:rPr lang="de-DE" sz="2400" dirty="0"/>
+              <a:t>Schaltet CSR für die Anwendung aus und vergleicht die Netzwerkanalyse und DOM mit den zwei anderen Anwendungen</a:t>
             </a:r>
           </a:p>
         </p:txBody>
@@ -13400,7 +13314,7 @@
           <p:cNvPr id="4" name="Text Placeholder 3">
             <a:extLst>
               <a:ext uri="{FF2B5EF4-FFF2-40B4-BE49-F238E27FC236}">
-                <a16:creationId xmlns:a16="http://schemas.microsoft.com/office/drawing/2014/main" id="{5B6C6166-A2C0-1A54-4F6C-80C4FB549DED}"/>
+                <a16:creationId xmlns:a16="http://schemas.microsoft.com/office/drawing/2014/main" id="{EF4893E2-687C-D711-5496-0A07241D15F7}"/>
               </a:ext>
             </a:extLst>
           </p:cNvPr>
@@ -13423,7 +13337,7 @@
     </p:spTree>
     <p:extLst>
       <p:ext uri="{BB962C8B-B14F-4D97-AF65-F5344CB8AC3E}">
-        <p14:creationId xmlns:p14="http://schemas.microsoft.com/office/powerpoint/2010/main" val="2905582115"/>
+        <p14:creationId xmlns:p14="http://schemas.microsoft.com/office/powerpoint/2010/main" val="3002484173"/>
       </p:ext>
     </p:extLst>
   </p:cSld>
@@ -13455,7 +13369,7 @@
           <p:cNvPr id="2" name="Title 1">
             <a:extLst>
               <a:ext uri="{FF2B5EF4-FFF2-40B4-BE49-F238E27FC236}">
-                <a16:creationId xmlns:a16="http://schemas.microsoft.com/office/drawing/2014/main" id="{2AB36D3A-CD09-E00A-E5F0-54D316FE7CF2}"/>
+                <a16:creationId xmlns:a16="http://schemas.microsoft.com/office/drawing/2014/main" id="{DC7BA470-1F5E-528C-6492-D5BE0B15BC0C}"/>
               </a:ext>
             </a:extLst>
           </p:cNvPr>
@@ -13473,7 +13387,7 @@
           <a:p>
             <a:r>
               <a:rPr lang="de-DE" dirty="0"/>
-              <a:t>Performance</a:t>
+              <a:t>Hydration</a:t>
             </a:r>
           </a:p>
         </p:txBody>
@@ -13483,7 +13397,7 @@
           <p:cNvPr id="3" name="Content Placeholder 2">
             <a:extLst>
               <a:ext uri="{FF2B5EF4-FFF2-40B4-BE49-F238E27FC236}">
-                <a16:creationId xmlns:a16="http://schemas.microsoft.com/office/drawing/2014/main" id="{D5774533-6698-B35C-2681-EBD1CC690B24}"/>
+                <a16:creationId xmlns:a16="http://schemas.microsoft.com/office/drawing/2014/main" id="{09DE4392-89A4-49AE-ED6C-A053F8EA1B92}"/>
               </a:ext>
             </a:extLst>
           </p:cNvPr>
@@ -13505,44 +13419,7 @@
             </a:pPr>
             <a:r>
               <a:rPr lang="de-DE" dirty="0"/>
-              <a:t>Performance ist relativ</a:t>
-            </a:r>
-          </a:p>
-          <a:p>
-            <a:pPr marL="666900" lvl="2" indent="-342900"/>
-            <a:r>
-              <a:rPr lang="de-DE" dirty="0"/>
-              <a:t>Netzwerkgeschwindigkeit und Endgerät</a:t>
-            </a:r>
-          </a:p>
-          <a:p>
-            <a:pPr marL="666900" lvl="2" indent="-342900"/>
-            <a:r>
-              <a:rPr lang="de-DE" dirty="0"/>
-              <a:t>Unterschiedliche Wahrnehmung der Ladegeschwindigkeit bei selber Ladezeit (progressive </a:t>
-            </a:r>
-            <a:r>
-              <a:rPr lang="de-DE" dirty="0" err="1"/>
-              <a:t>content</a:t>
-            </a:r>
-            <a:r>
-              <a:rPr lang="de-DE" dirty="0"/>
-              <a:t> </a:t>
-            </a:r>
-            <a:r>
-              <a:rPr lang="de-DE" dirty="0" err="1"/>
-              <a:t>loading</a:t>
-            </a:r>
-            <a:r>
-              <a:rPr lang="de-DE" dirty="0"/>
-              <a:t>)</a:t>
-            </a:r>
-          </a:p>
-          <a:p>
-            <a:pPr marL="666900" lvl="2" indent="-342900"/>
-            <a:r>
-              <a:rPr lang="de-DE" dirty="0"/>
-              <a:t>Schnelles laden aber langsame Interaktionen</a:t>
+              <a:t>SSR-Anwendungen sind standardmäßig statisch</a:t>
             </a:r>
           </a:p>
           <a:p>
@@ -13552,7 +13429,17 @@
             </a:pPr>
             <a:r>
               <a:rPr lang="de-DE" dirty="0"/>
-              <a:t>Objektive Metriken werden genutzt, um Performance zu messen</a:t>
+              <a:t>Hydration ist das Binden von JavaScript an die DOM</a:t>
+            </a:r>
+          </a:p>
+          <a:p>
+            <a:pPr marL="342900" indent="-342900">
+              <a:buFont typeface="Arial" panose="020B0604020202020204" pitchFamily="34" charset="0"/>
+              <a:buChar char="•"/>
+            </a:pPr>
+            <a:r>
+              <a:rPr lang="de-DE" dirty="0"/>
+              <a:t>Fügt wieder Interaktion und Client Side Navigation hinzu</a:t>
             </a:r>
           </a:p>
           <a:p>
@@ -13562,6 +13449,21 @@
             </a:pPr>
             <a:endParaRPr lang="de-DE" dirty="0"/>
           </a:p>
+          <a:p>
+            <a:pPr algn="ctr"/>
+            <a:r>
+              <a:rPr lang="de-DE" b="1" dirty="0"/>
+              <a:t>Best </a:t>
+            </a:r>
+            <a:r>
+              <a:rPr lang="de-DE" b="1" dirty="0" err="1"/>
+              <a:t>of</a:t>
+            </a:r>
+            <a:r>
+              <a:rPr lang="de-DE" b="1" dirty="0"/>
+              <a:t> Both Worlds</a:t>
+            </a:r>
+          </a:p>
         </p:txBody>
       </p:sp>
       <p:sp>
@@ -13569,7 +13471,7 @@
           <p:cNvPr id="4" name="Text Placeholder 3">
             <a:extLst>
               <a:ext uri="{FF2B5EF4-FFF2-40B4-BE49-F238E27FC236}">
-                <a16:creationId xmlns:a16="http://schemas.microsoft.com/office/drawing/2014/main" id="{5D9557A3-6F78-B06E-AFD6-A0595FBFEC7D}"/>
+                <a16:creationId xmlns:a16="http://schemas.microsoft.com/office/drawing/2014/main" id="{5B6C6166-A2C0-1A54-4F6C-80C4FB549DED}"/>
               </a:ext>
             </a:extLst>
           </p:cNvPr>
@@ -13592,7 +13494,7 @@
     </p:spTree>
     <p:extLst>
       <p:ext uri="{BB962C8B-B14F-4D97-AF65-F5344CB8AC3E}">
-        <p14:creationId xmlns:p14="http://schemas.microsoft.com/office/powerpoint/2010/main" val="1228535191"/>
+        <p14:creationId xmlns:p14="http://schemas.microsoft.com/office/powerpoint/2010/main" val="2905582115"/>
       </p:ext>
     </p:extLst>
   </p:cSld>
@@ -13624,6 +13526,175 @@
           <p:cNvPr id="2" name="Title 1">
             <a:extLst>
               <a:ext uri="{FF2B5EF4-FFF2-40B4-BE49-F238E27FC236}">
+                <a16:creationId xmlns:a16="http://schemas.microsoft.com/office/drawing/2014/main" id="{2AB36D3A-CD09-E00A-E5F0-54D316FE7CF2}"/>
+              </a:ext>
+            </a:extLst>
+          </p:cNvPr>
+          <p:cNvSpPr>
+            <a:spLocks noGrp="1"/>
+          </p:cNvSpPr>
+          <p:nvPr>
+            <p:ph type="title"/>
+          </p:nvPr>
+        </p:nvSpPr>
+        <p:spPr/>
+        <p:txBody>
+          <a:bodyPr/>
+          <a:lstStyle/>
+          <a:p>
+            <a:r>
+              <a:rPr lang="de-DE" dirty="0"/>
+              <a:t>Performance</a:t>
+            </a:r>
+          </a:p>
+        </p:txBody>
+      </p:sp>
+      <p:sp>
+        <p:nvSpPr>
+          <p:cNvPr id="3" name="Content Placeholder 2">
+            <a:extLst>
+              <a:ext uri="{FF2B5EF4-FFF2-40B4-BE49-F238E27FC236}">
+                <a16:creationId xmlns:a16="http://schemas.microsoft.com/office/drawing/2014/main" id="{D5774533-6698-B35C-2681-EBD1CC690B24}"/>
+              </a:ext>
+            </a:extLst>
+          </p:cNvPr>
+          <p:cNvSpPr>
+            <a:spLocks noGrp="1"/>
+          </p:cNvSpPr>
+          <p:nvPr>
+            <p:ph idx="1"/>
+          </p:nvPr>
+        </p:nvSpPr>
+        <p:spPr/>
+        <p:txBody>
+          <a:bodyPr/>
+          <a:lstStyle/>
+          <a:p>
+            <a:pPr marL="342900" indent="-342900">
+              <a:buFont typeface="Arial" panose="020B0604020202020204" pitchFamily="34" charset="0"/>
+              <a:buChar char="•"/>
+            </a:pPr>
+            <a:r>
+              <a:rPr lang="de-DE" dirty="0"/>
+              <a:t>Performance ist relativ</a:t>
+            </a:r>
+          </a:p>
+          <a:p>
+            <a:pPr marL="666900" lvl="2" indent="-342900"/>
+            <a:r>
+              <a:rPr lang="de-DE" dirty="0"/>
+              <a:t>Netzwerkgeschwindigkeit und Endgerät</a:t>
+            </a:r>
+          </a:p>
+          <a:p>
+            <a:pPr marL="666900" lvl="2" indent="-342900"/>
+            <a:r>
+              <a:rPr lang="de-DE" dirty="0"/>
+              <a:t>Unterschiedliche Wahrnehmung der Ladegeschwindigkeit bei selber Ladezeit (progressive </a:t>
+            </a:r>
+            <a:r>
+              <a:rPr lang="de-DE" dirty="0" err="1"/>
+              <a:t>content</a:t>
+            </a:r>
+            <a:r>
+              <a:rPr lang="de-DE" dirty="0"/>
+              <a:t> </a:t>
+            </a:r>
+            <a:r>
+              <a:rPr lang="de-DE" dirty="0" err="1"/>
+              <a:t>loading</a:t>
+            </a:r>
+            <a:r>
+              <a:rPr lang="de-DE" dirty="0"/>
+              <a:t>)</a:t>
+            </a:r>
+          </a:p>
+          <a:p>
+            <a:pPr marL="666900" lvl="2" indent="-342900"/>
+            <a:r>
+              <a:rPr lang="de-DE" dirty="0"/>
+              <a:t>Schnelles laden aber langsame Interaktionen</a:t>
+            </a:r>
+          </a:p>
+          <a:p>
+            <a:pPr marL="342900" indent="-342900">
+              <a:buFont typeface="Arial" panose="020B0604020202020204" pitchFamily="34" charset="0"/>
+              <a:buChar char="•"/>
+            </a:pPr>
+            <a:r>
+              <a:rPr lang="de-DE" dirty="0"/>
+              <a:t>Objektive Metriken werden genutzt, um Performance zu messen</a:t>
+            </a:r>
+          </a:p>
+          <a:p>
+            <a:pPr marL="342900" indent="-342900">
+              <a:buFont typeface="Arial" panose="020B0604020202020204" pitchFamily="34" charset="0"/>
+              <a:buChar char="•"/>
+            </a:pPr>
+            <a:endParaRPr lang="de-DE" dirty="0"/>
+          </a:p>
+        </p:txBody>
+      </p:sp>
+      <p:sp>
+        <p:nvSpPr>
+          <p:cNvPr id="4" name="Text Placeholder 3">
+            <a:extLst>
+              <a:ext uri="{FF2B5EF4-FFF2-40B4-BE49-F238E27FC236}">
+                <a16:creationId xmlns:a16="http://schemas.microsoft.com/office/drawing/2014/main" id="{5D9557A3-6F78-B06E-AFD6-A0595FBFEC7D}"/>
+              </a:ext>
+            </a:extLst>
+          </p:cNvPr>
+          <p:cNvSpPr>
+            <a:spLocks noGrp="1"/>
+          </p:cNvSpPr>
+          <p:nvPr>
+            <p:ph type="body" idx="10"/>
+          </p:nvPr>
+        </p:nvSpPr>
+        <p:spPr/>
+        <p:txBody>
+          <a:bodyPr/>
+          <a:lstStyle/>
+          <a:p>
+            <a:endParaRPr lang="de-DE"/>
+          </a:p>
+        </p:txBody>
+      </p:sp>
+    </p:spTree>
+    <p:extLst>
+      <p:ext uri="{BB962C8B-B14F-4D97-AF65-F5344CB8AC3E}">
+        <p14:creationId xmlns:p14="http://schemas.microsoft.com/office/powerpoint/2010/main" val="1228535191"/>
+      </p:ext>
+    </p:extLst>
+  </p:cSld>
+  <p:clrMapOvr>
+    <a:masterClrMapping/>
+  </p:clrMapOvr>
+</p:sld>
+</file>
+
+<file path=ppt/slides/slide34.xml><?xml version="1.0" encoding="utf-8"?>
+<p:sld xmlns:a="http://schemas.openxmlformats.org/drawingml/2006/main" xmlns:r="http://schemas.openxmlformats.org/officeDocument/2006/relationships" xmlns:p="http://schemas.openxmlformats.org/presentationml/2006/main">
+  <p:cSld>
+    <p:spTree>
+      <p:nvGrpSpPr>
+        <p:cNvPr id="1" name=""/>
+        <p:cNvGrpSpPr/>
+        <p:nvPr/>
+      </p:nvGrpSpPr>
+      <p:grpSpPr>
+        <a:xfrm>
+          <a:off x="0" y="0"/>
+          <a:ext cx="0" cy="0"/>
+          <a:chOff x="0" y="0"/>
+          <a:chExt cx="0" cy="0"/>
+        </a:xfrm>
+      </p:grpSpPr>
+      <p:sp>
+        <p:nvSpPr>
+          <p:cNvPr id="2" name="Title 1">
+            <a:extLst>
+              <a:ext uri="{FF2B5EF4-FFF2-40B4-BE49-F238E27FC236}">
                 <a16:creationId xmlns:a16="http://schemas.microsoft.com/office/drawing/2014/main" id="{0856BF04-9E91-7DD8-888D-2DF9E973824D}"/>
               </a:ext>
             </a:extLst>
@@ -13807,7 +13878,7 @@
 </p:sld>
 </file>
 
-<file path=ppt/slides/slide34.xml><?xml version="1.0" encoding="utf-8"?>
+<file path=ppt/slides/slide35.xml><?xml version="1.0" encoding="utf-8"?>
 <p:sld xmlns:a="http://schemas.openxmlformats.org/drawingml/2006/main" xmlns:r="http://schemas.openxmlformats.org/officeDocument/2006/relationships" xmlns:p="http://schemas.openxmlformats.org/presentationml/2006/main">
   <p:cSld>
     <p:spTree>
@@ -14034,7 +14105,7 @@
 </p:sld>
 </file>
 
-<file path=ppt/slides/slide35.xml><?xml version="1.0" encoding="utf-8"?>
+<file path=ppt/slides/slide36.xml><?xml version="1.0" encoding="utf-8"?>
 <p:sld xmlns:a="http://schemas.openxmlformats.org/drawingml/2006/main" xmlns:r="http://schemas.openxmlformats.org/officeDocument/2006/relationships" xmlns:p="http://schemas.openxmlformats.org/presentationml/2006/main">
   <p:cSld>
     <p:spTree>
@@ -14272,7 +14343,7 @@
 </p:sld>
 </file>
 
-<file path=ppt/slides/slide36.xml><?xml version="1.0" encoding="utf-8"?>
+<file path=ppt/slides/slide37.xml><?xml version="1.0" encoding="utf-8"?>
 <p:sld xmlns:a="http://schemas.openxmlformats.org/drawingml/2006/main" xmlns:r="http://schemas.openxmlformats.org/officeDocument/2006/relationships" xmlns:p="http://schemas.openxmlformats.org/presentationml/2006/main">
   <p:cSld>
     <p:spTree>
@@ -14604,7 +14675,7 @@
 </p:sld>
 </file>
 
-<file path=ppt/slides/slide37.xml><?xml version="1.0" encoding="utf-8"?>
+<file path=ppt/slides/slide38.xml><?xml version="1.0" encoding="utf-8"?>
 <p:sld xmlns:a="http://schemas.openxmlformats.org/drawingml/2006/main" xmlns:r="http://schemas.openxmlformats.org/officeDocument/2006/relationships" xmlns:p="http://schemas.openxmlformats.org/presentationml/2006/main">
   <p:cSld>
     <p:spTree>
@@ -14751,7 +14822,7 @@
 </p:sld>
 </file>
 
-<file path=ppt/slides/slide38.xml><?xml version="1.0" encoding="utf-8"?>
+<file path=ppt/slides/slide39.xml><?xml version="1.0" encoding="utf-8"?>
 <p:sld xmlns:a="http://schemas.openxmlformats.org/drawingml/2006/main" xmlns:r="http://schemas.openxmlformats.org/officeDocument/2006/relationships" xmlns:p="http://schemas.openxmlformats.org/presentationml/2006/main">
   <p:cSld>
     <p:spTree>
@@ -15019,213 +15090,6 @@
 </p:sld>
 </file>
 
-<file path=ppt/slides/slide39.xml><?xml version="1.0" encoding="utf-8"?>
-<p:sld xmlns:a="http://schemas.openxmlformats.org/drawingml/2006/main" xmlns:r="http://schemas.openxmlformats.org/officeDocument/2006/relationships" xmlns:p="http://schemas.openxmlformats.org/presentationml/2006/main">
-  <p:cSld>
-    <p:spTree>
-      <p:nvGrpSpPr>
-        <p:cNvPr id="1" name=""/>
-        <p:cNvGrpSpPr/>
-        <p:nvPr/>
-      </p:nvGrpSpPr>
-      <p:grpSpPr>
-        <a:xfrm>
-          <a:off x="0" y="0"/>
-          <a:ext cx="0" cy="0"/>
-          <a:chOff x="0" y="0"/>
-          <a:chExt cx="0" cy="0"/>
-        </a:xfrm>
-      </p:grpSpPr>
-      <p:sp>
-        <p:nvSpPr>
-          <p:cNvPr id="3" name="Content Placeholder 2">
-            <a:extLst>
-              <a:ext uri="{FF2B5EF4-FFF2-40B4-BE49-F238E27FC236}">
-                <a16:creationId xmlns:a16="http://schemas.microsoft.com/office/drawing/2014/main" id="{E6821EF6-DB90-603E-1ADB-5C3B508CCE01}"/>
-              </a:ext>
-            </a:extLst>
-          </p:cNvPr>
-          <p:cNvSpPr>
-            <a:spLocks noGrp="1"/>
-          </p:cNvSpPr>
-          <p:nvPr>
-            <p:ph idx="1"/>
-          </p:nvPr>
-        </p:nvSpPr>
-        <p:spPr/>
-        <p:txBody>
-          <a:bodyPr/>
-          <a:lstStyle/>
-          <a:p>
-            <a:pPr marL="342900" indent="-342900">
-              <a:buFont typeface="Arial" panose="020B0604020202020204" pitchFamily="34" charset="0"/>
-              <a:buChar char="•"/>
-            </a:pPr>
-            <a:r>
-              <a:rPr lang="de-DE" dirty="0"/>
-              <a:t>Zeit bis das erste Byte den Browser erreicht</a:t>
-            </a:r>
-          </a:p>
-          <a:p>
-            <a:pPr marL="342900" indent="-342900">
-              <a:buFont typeface="Arial" panose="020B0604020202020204" pitchFamily="34" charset="0"/>
-              <a:buChar char="•"/>
-            </a:pPr>
-            <a:r>
-              <a:rPr lang="de-DE" dirty="0"/>
-              <a:t>In Chrome Netzwerk Tab als „Waiting </a:t>
-            </a:r>
-            <a:r>
-              <a:rPr lang="de-DE" dirty="0" err="1"/>
-              <a:t>for</a:t>
-            </a:r>
-            <a:r>
-              <a:rPr lang="de-DE" dirty="0"/>
-              <a:t> </a:t>
-            </a:r>
-            <a:r>
-              <a:rPr lang="de-DE" dirty="0" err="1"/>
-              <a:t>server</a:t>
-            </a:r>
-            <a:r>
-              <a:rPr lang="de-DE" dirty="0"/>
-              <a:t> </a:t>
-            </a:r>
-            <a:r>
-              <a:rPr lang="de-DE" dirty="0" err="1"/>
-              <a:t>response</a:t>
-            </a:r>
-            <a:r>
-              <a:rPr lang="de-DE" dirty="0"/>
-              <a:t>“</a:t>
-            </a:r>
-          </a:p>
-          <a:p>
-            <a:pPr marL="342900" indent="-342900">
-              <a:buFont typeface="Arial" panose="020B0604020202020204" pitchFamily="34" charset="0"/>
-              <a:buChar char="•"/>
-            </a:pPr>
-            <a:endParaRPr lang="de-DE" dirty="0"/>
-          </a:p>
-          <a:p>
-            <a:pPr marL="342900" indent="-342900">
-              <a:buFont typeface="Arial" panose="020B0604020202020204" pitchFamily="34" charset="0"/>
-              <a:buChar char="•"/>
-            </a:pPr>
-            <a:endParaRPr lang="de-DE" dirty="0"/>
-          </a:p>
-          <a:p>
-            <a:endParaRPr lang="de-DE" dirty="0"/>
-          </a:p>
-        </p:txBody>
-      </p:sp>
-      <p:sp>
-        <p:nvSpPr>
-          <p:cNvPr id="4" name="Text Placeholder 3">
-            <a:extLst>
-              <a:ext uri="{FF2B5EF4-FFF2-40B4-BE49-F238E27FC236}">
-                <a16:creationId xmlns:a16="http://schemas.microsoft.com/office/drawing/2014/main" id="{66C19AE5-C813-819A-D06B-8A359DC0DF7B}"/>
-              </a:ext>
-            </a:extLst>
-          </p:cNvPr>
-          <p:cNvSpPr>
-            <a:spLocks noGrp="1"/>
-          </p:cNvSpPr>
-          <p:nvPr>
-            <p:ph type="body" idx="10"/>
-          </p:nvPr>
-        </p:nvSpPr>
-        <p:spPr/>
-        <p:txBody>
-          <a:bodyPr/>
-          <a:lstStyle/>
-          <a:p>
-            <a:endParaRPr lang="de-DE"/>
-          </a:p>
-        </p:txBody>
-      </p:sp>
-      <p:pic>
-        <p:nvPicPr>
-          <p:cNvPr id="6" name="Picture 5">
-            <a:extLst>
-              <a:ext uri="{FF2B5EF4-FFF2-40B4-BE49-F238E27FC236}">
-                <a16:creationId xmlns:a16="http://schemas.microsoft.com/office/drawing/2014/main" id="{FCE2342F-2AC2-EEC4-38B1-569E1E097E9D}"/>
-              </a:ext>
-            </a:extLst>
-          </p:cNvPr>
-          <p:cNvPicPr>
-            <a:picLocks noChangeAspect="1"/>
-          </p:cNvPicPr>
-          <p:nvPr/>
-        </p:nvPicPr>
-        <p:blipFill>
-          <a:blip r:embed="rId2"/>
-          <a:stretch>
-            <a:fillRect/>
-          </a:stretch>
-        </p:blipFill>
-        <p:spPr>
-          <a:xfrm>
-            <a:off x="1876097" y="2819443"/>
-            <a:ext cx="5899240" cy="2627763"/>
-          </a:xfrm>
-          <a:prstGeom prst="rect">
-            <a:avLst/>
-          </a:prstGeom>
-        </p:spPr>
-      </p:pic>
-      <p:pic>
-        <p:nvPicPr>
-          <p:cNvPr id="9" name="Graphic 8">
-            <a:extLst>
-              <a:ext uri="{FF2B5EF4-FFF2-40B4-BE49-F238E27FC236}">
-                <a16:creationId xmlns:a16="http://schemas.microsoft.com/office/drawing/2014/main" id="{52A58CA8-F760-0F4F-DF17-DEEA5DC8F981}"/>
-              </a:ext>
-            </a:extLst>
-          </p:cNvPr>
-          <p:cNvPicPr>
-            <a:picLocks noChangeAspect="1"/>
-          </p:cNvPicPr>
-          <p:nvPr/>
-        </p:nvPicPr>
-        <p:blipFill>
-          <a:blip r:embed="rId3">
-            <a:extLst>
-              <a:ext uri="{28A0092B-C50C-407E-A947-70E740481C1C}">
-                <a14:useLocalDpi xmlns:a14="http://schemas.microsoft.com/office/drawing/2010/main" val="0"/>
-              </a:ext>
-              <a:ext uri="{96DAC541-7B7A-43D3-8B79-37D633B846F1}">
-                <asvg:svgBlip xmlns:asvg="http://schemas.microsoft.com/office/drawing/2016/SVG/main" r:embed="rId4"/>
-              </a:ext>
-            </a:extLst>
-          </a:blip>
-          <a:stretch>
-            <a:fillRect/>
-          </a:stretch>
-        </p:blipFill>
-        <p:spPr>
-          <a:xfrm>
-            <a:off x="914400" y="365288"/>
-            <a:ext cx="5572036" cy="1393009"/>
-          </a:xfrm>
-          <a:prstGeom prst="rect">
-            <a:avLst/>
-          </a:prstGeom>
-        </p:spPr>
-      </p:pic>
-    </p:spTree>
-    <p:extLst>
-      <p:ext uri="{BB962C8B-B14F-4D97-AF65-F5344CB8AC3E}">
-        <p14:creationId xmlns:p14="http://schemas.microsoft.com/office/powerpoint/2010/main" val="2950940139"/>
-      </p:ext>
-    </p:extLst>
-  </p:cSld>
-  <p:clrMapOvr>
-    <a:masterClrMapping/>
-  </p:clrMapOvr>
-</p:sld>
-</file>
-
 <file path=ppt/slides/slide4.xml><?xml version="1.0" encoding="utf-8"?>
 <p:sld xmlns:a="http://schemas.openxmlformats.org/drawingml/2006/main" xmlns:r="http://schemas.openxmlformats.org/officeDocument/2006/relationships" xmlns:p="http://schemas.openxmlformats.org/presentationml/2006/main">
   <p:cSld>
@@ -15342,6 +15206,461 @@
           <p:cNvPr id="2" name="Title 1">
             <a:extLst>
               <a:ext uri="{FF2B5EF4-FFF2-40B4-BE49-F238E27FC236}">
+                <a16:creationId xmlns:a16="http://schemas.microsoft.com/office/drawing/2014/main" id="{9446F682-991A-802B-14DD-057B2498AAC6}"/>
+              </a:ext>
+            </a:extLst>
+          </p:cNvPr>
+          <p:cNvSpPr>
+            <a:spLocks noGrp="1"/>
+          </p:cNvSpPr>
+          <p:nvPr>
+            <p:ph type="title"/>
+          </p:nvPr>
+        </p:nvSpPr>
+        <p:spPr/>
+        <p:txBody>
+          <a:bodyPr/>
+          <a:lstStyle/>
+          <a:p>
+            <a:r>
+              <a:rPr lang="de-DE" dirty="0"/>
+              <a:t>CLS-Score</a:t>
+            </a:r>
+          </a:p>
+        </p:txBody>
+      </p:sp>
+      <p:sp>
+        <p:nvSpPr>
+          <p:cNvPr id="3" name="Content Placeholder 2">
+            <a:extLst>
+              <a:ext uri="{FF2B5EF4-FFF2-40B4-BE49-F238E27FC236}">
+                <a16:creationId xmlns:a16="http://schemas.microsoft.com/office/drawing/2014/main" id="{D1BADCA0-644B-0517-3137-326DAA184430}"/>
+              </a:ext>
+            </a:extLst>
+          </p:cNvPr>
+          <p:cNvSpPr>
+            <a:spLocks noGrp="1"/>
+          </p:cNvSpPr>
+          <p:nvPr>
+            <p:ph idx="1"/>
+          </p:nvPr>
+        </p:nvSpPr>
+        <p:spPr>
+          <a:xfrm>
+            <a:off x="898772" y="1758297"/>
+            <a:ext cx="4721393" cy="3988454"/>
+          </a:xfrm>
+        </p:spPr>
+        <p:txBody>
+          <a:bodyPr/>
+          <a:lstStyle/>
+          <a:p>
+            <a:r>
+              <a:rPr lang="de-DE" dirty="0" err="1"/>
+              <a:t>layout</a:t>
+            </a:r>
+            <a:r>
+              <a:rPr lang="de-DE" dirty="0"/>
+              <a:t> shift score = </a:t>
+            </a:r>
+            <a:r>
+              <a:rPr lang="de-DE" dirty="0" err="1"/>
+              <a:t>impact</a:t>
+            </a:r>
+            <a:r>
+              <a:rPr lang="de-DE" dirty="0"/>
+              <a:t> </a:t>
+            </a:r>
+            <a:r>
+              <a:rPr lang="de-DE" dirty="0" err="1"/>
+              <a:t>fraction</a:t>
+            </a:r>
+            <a:r>
+              <a:rPr lang="de-DE" dirty="0"/>
+              <a:t> * </a:t>
+            </a:r>
+            <a:r>
+              <a:rPr lang="de-DE" dirty="0" err="1"/>
+              <a:t>distance</a:t>
+            </a:r>
+            <a:r>
+              <a:rPr lang="de-DE" dirty="0"/>
+              <a:t> </a:t>
+            </a:r>
+            <a:r>
+              <a:rPr lang="de-DE" dirty="0" err="1"/>
+              <a:t>fraction</a:t>
+            </a:r>
+            <a:endParaRPr lang="de-DE" dirty="0"/>
+          </a:p>
+          <a:p>
+            <a:pPr marL="342900" lvl="1" indent="-342900">
+              <a:buFont typeface="Arial" panose="020B0604020202020204" pitchFamily="34" charset="0"/>
+              <a:buChar char="•"/>
+            </a:pPr>
+            <a:r>
+              <a:rPr lang="de-DE" b="1" dirty="0"/>
+              <a:t>Impact </a:t>
+            </a:r>
+            <a:r>
+              <a:rPr lang="de-DE" b="1" dirty="0" err="1"/>
+              <a:t>fraction</a:t>
+            </a:r>
+            <a:endParaRPr lang="de-DE" b="1" dirty="0"/>
+          </a:p>
+          <a:p>
+            <a:pPr marL="666900" lvl="2" indent="-342900"/>
+            <a:r>
+              <a:rPr lang="de-DE" dirty="0"/>
+              <a:t>Größe des verschobenen Elements vor und nach dem </a:t>
+            </a:r>
+            <a:r>
+              <a:rPr lang="de-DE" dirty="0" err="1"/>
+              <a:t>layout</a:t>
+            </a:r>
+            <a:r>
+              <a:rPr lang="de-DE" dirty="0"/>
+              <a:t> shift relativ zum Viewport</a:t>
+            </a:r>
+          </a:p>
+          <a:p>
+            <a:pPr marL="342900" lvl="1" indent="-342900"/>
+            <a:r>
+              <a:rPr lang="de-DE" b="1" dirty="0" err="1"/>
+              <a:t>Distance</a:t>
+            </a:r>
+            <a:r>
+              <a:rPr lang="de-DE" b="1" dirty="0"/>
+              <a:t> </a:t>
+            </a:r>
+            <a:r>
+              <a:rPr lang="de-DE" b="1" dirty="0" err="1"/>
+              <a:t>Fraction</a:t>
+            </a:r>
+            <a:endParaRPr lang="de-DE" b="1" dirty="0"/>
+          </a:p>
+          <a:p>
+            <a:pPr marL="666900" lvl="2" indent="-342900"/>
+            <a:r>
+              <a:rPr lang="de-DE" dirty="0"/>
+              <a:t>Distanz der Bewegung relativ zum Viewport</a:t>
+            </a:r>
+          </a:p>
+          <a:p>
+            <a:pPr marL="666900" lvl="2" indent="-342900"/>
+            <a:endParaRPr lang="de-DE" b="1" dirty="0"/>
+          </a:p>
+          <a:p>
+            <a:endParaRPr lang="de-DE" dirty="0"/>
+          </a:p>
+        </p:txBody>
+      </p:sp>
+      <p:sp>
+        <p:nvSpPr>
+          <p:cNvPr id="4" name="Text Placeholder 3">
+            <a:extLst>
+              <a:ext uri="{FF2B5EF4-FFF2-40B4-BE49-F238E27FC236}">
+                <a16:creationId xmlns:a16="http://schemas.microsoft.com/office/drawing/2014/main" id="{66068896-65B5-95B5-78CB-79B4D00E7223}"/>
+              </a:ext>
+            </a:extLst>
+          </p:cNvPr>
+          <p:cNvSpPr>
+            <a:spLocks noGrp="1"/>
+          </p:cNvSpPr>
+          <p:nvPr>
+            <p:ph type="body" idx="10"/>
+          </p:nvPr>
+        </p:nvSpPr>
+        <p:spPr/>
+        <p:txBody>
+          <a:bodyPr/>
+          <a:lstStyle/>
+          <a:p>
+            <a:r>
+              <a:rPr lang="de-DE" dirty="0"/>
+              <a:t>Bildquelle: https://web.dev/articles/cls</a:t>
+            </a:r>
+          </a:p>
+        </p:txBody>
+      </p:sp>
+      <p:pic>
+        <p:nvPicPr>
+          <p:cNvPr id="7" name="Picture 6" descr="A comparison of a cell phone&#10;&#10;Description automatically generated">
+            <a:extLst>
+              <a:ext uri="{FF2B5EF4-FFF2-40B4-BE49-F238E27FC236}">
+                <a16:creationId xmlns:a16="http://schemas.microsoft.com/office/drawing/2014/main" id="{C90895B1-1BEE-4DCB-23A8-35CCD1D9F4EC}"/>
+              </a:ext>
+            </a:extLst>
+          </p:cNvPr>
+          <p:cNvPicPr>
+            <a:picLocks noChangeAspect="1"/>
+          </p:cNvPicPr>
+          <p:nvPr/>
+        </p:nvPicPr>
+        <p:blipFill>
+          <a:blip r:embed="rId2" cstate="print">
+            <a:extLst>
+              <a:ext uri="{28A0092B-C50C-407E-A947-70E740481C1C}">
+                <a14:useLocalDpi xmlns:a14="http://schemas.microsoft.com/office/drawing/2010/main" val="0"/>
+              </a:ext>
+            </a:extLst>
+          </a:blip>
+          <a:stretch>
+            <a:fillRect/>
+          </a:stretch>
+        </p:blipFill>
+        <p:spPr>
+          <a:xfrm>
+            <a:off x="5620165" y="1959360"/>
+            <a:ext cx="3400333" cy="2550250"/>
+          </a:xfrm>
+          <a:prstGeom prst="rect">
+            <a:avLst/>
+          </a:prstGeom>
+        </p:spPr>
+      </p:pic>
+    </p:spTree>
+    <p:extLst>
+      <p:ext uri="{BB962C8B-B14F-4D97-AF65-F5344CB8AC3E}">
+        <p14:creationId xmlns:p14="http://schemas.microsoft.com/office/powerpoint/2010/main" val="4016447134"/>
+      </p:ext>
+    </p:extLst>
+  </p:cSld>
+  <p:clrMapOvr>
+    <a:masterClrMapping/>
+  </p:clrMapOvr>
+</p:sld>
+</file>
+
+<file path=ppt/slides/slide41.xml><?xml version="1.0" encoding="utf-8"?>
+<p:sld xmlns:a="http://schemas.openxmlformats.org/drawingml/2006/main" xmlns:r="http://schemas.openxmlformats.org/officeDocument/2006/relationships" xmlns:p="http://schemas.openxmlformats.org/presentationml/2006/main">
+  <p:cSld>
+    <p:spTree>
+      <p:nvGrpSpPr>
+        <p:cNvPr id="1" name=""/>
+        <p:cNvGrpSpPr/>
+        <p:nvPr/>
+      </p:nvGrpSpPr>
+      <p:grpSpPr>
+        <a:xfrm>
+          <a:off x="0" y="0"/>
+          <a:ext cx="0" cy="0"/>
+          <a:chOff x="0" y="0"/>
+          <a:chExt cx="0" cy="0"/>
+        </a:xfrm>
+      </p:grpSpPr>
+      <p:sp>
+        <p:nvSpPr>
+          <p:cNvPr id="3" name="Content Placeholder 2">
+            <a:extLst>
+              <a:ext uri="{FF2B5EF4-FFF2-40B4-BE49-F238E27FC236}">
+                <a16:creationId xmlns:a16="http://schemas.microsoft.com/office/drawing/2014/main" id="{E6821EF6-DB90-603E-1ADB-5C3B508CCE01}"/>
+              </a:ext>
+            </a:extLst>
+          </p:cNvPr>
+          <p:cNvSpPr>
+            <a:spLocks noGrp="1"/>
+          </p:cNvSpPr>
+          <p:nvPr>
+            <p:ph idx="1"/>
+          </p:nvPr>
+        </p:nvSpPr>
+        <p:spPr/>
+        <p:txBody>
+          <a:bodyPr/>
+          <a:lstStyle/>
+          <a:p>
+            <a:pPr marL="342900" indent="-342900">
+              <a:buFont typeface="Arial" panose="020B0604020202020204" pitchFamily="34" charset="0"/>
+              <a:buChar char="•"/>
+            </a:pPr>
+            <a:r>
+              <a:rPr lang="de-DE" dirty="0"/>
+              <a:t>Zeit bis das erste Byte den Browser erreicht</a:t>
+            </a:r>
+          </a:p>
+          <a:p>
+            <a:pPr marL="342900" indent="-342900">
+              <a:buFont typeface="Arial" panose="020B0604020202020204" pitchFamily="34" charset="0"/>
+              <a:buChar char="•"/>
+            </a:pPr>
+            <a:r>
+              <a:rPr lang="de-DE" dirty="0"/>
+              <a:t>In Chrome Netzwerk Tab als „Waiting </a:t>
+            </a:r>
+            <a:r>
+              <a:rPr lang="de-DE" dirty="0" err="1"/>
+              <a:t>for</a:t>
+            </a:r>
+            <a:r>
+              <a:rPr lang="de-DE" dirty="0"/>
+              <a:t> </a:t>
+            </a:r>
+            <a:r>
+              <a:rPr lang="de-DE" dirty="0" err="1"/>
+              <a:t>server</a:t>
+            </a:r>
+            <a:r>
+              <a:rPr lang="de-DE" dirty="0"/>
+              <a:t> </a:t>
+            </a:r>
+            <a:r>
+              <a:rPr lang="de-DE" dirty="0" err="1"/>
+              <a:t>response</a:t>
+            </a:r>
+            <a:r>
+              <a:rPr lang="de-DE" dirty="0"/>
+              <a:t>“</a:t>
+            </a:r>
+          </a:p>
+          <a:p>
+            <a:pPr marL="342900" indent="-342900">
+              <a:buFont typeface="Arial" panose="020B0604020202020204" pitchFamily="34" charset="0"/>
+              <a:buChar char="•"/>
+            </a:pPr>
+            <a:endParaRPr lang="de-DE" dirty="0"/>
+          </a:p>
+          <a:p>
+            <a:pPr marL="342900" indent="-342900">
+              <a:buFont typeface="Arial" panose="020B0604020202020204" pitchFamily="34" charset="0"/>
+              <a:buChar char="•"/>
+            </a:pPr>
+            <a:endParaRPr lang="de-DE" dirty="0"/>
+          </a:p>
+          <a:p>
+            <a:endParaRPr lang="de-DE" dirty="0"/>
+          </a:p>
+        </p:txBody>
+      </p:sp>
+      <p:sp>
+        <p:nvSpPr>
+          <p:cNvPr id="4" name="Text Placeholder 3">
+            <a:extLst>
+              <a:ext uri="{FF2B5EF4-FFF2-40B4-BE49-F238E27FC236}">
+                <a16:creationId xmlns:a16="http://schemas.microsoft.com/office/drawing/2014/main" id="{66C19AE5-C813-819A-D06B-8A359DC0DF7B}"/>
+              </a:ext>
+            </a:extLst>
+          </p:cNvPr>
+          <p:cNvSpPr>
+            <a:spLocks noGrp="1"/>
+          </p:cNvSpPr>
+          <p:nvPr>
+            <p:ph type="body" idx="10"/>
+          </p:nvPr>
+        </p:nvSpPr>
+        <p:spPr/>
+        <p:txBody>
+          <a:bodyPr/>
+          <a:lstStyle/>
+          <a:p>
+            <a:endParaRPr lang="de-DE"/>
+          </a:p>
+        </p:txBody>
+      </p:sp>
+      <p:pic>
+        <p:nvPicPr>
+          <p:cNvPr id="6" name="Picture 5">
+            <a:extLst>
+              <a:ext uri="{FF2B5EF4-FFF2-40B4-BE49-F238E27FC236}">
+                <a16:creationId xmlns:a16="http://schemas.microsoft.com/office/drawing/2014/main" id="{FCE2342F-2AC2-EEC4-38B1-569E1E097E9D}"/>
+              </a:ext>
+            </a:extLst>
+          </p:cNvPr>
+          <p:cNvPicPr>
+            <a:picLocks noChangeAspect="1"/>
+          </p:cNvPicPr>
+          <p:nvPr/>
+        </p:nvPicPr>
+        <p:blipFill>
+          <a:blip r:embed="rId2"/>
+          <a:stretch>
+            <a:fillRect/>
+          </a:stretch>
+        </p:blipFill>
+        <p:spPr>
+          <a:xfrm>
+            <a:off x="1876097" y="2819443"/>
+            <a:ext cx="5899240" cy="2627763"/>
+          </a:xfrm>
+          <a:prstGeom prst="rect">
+            <a:avLst/>
+          </a:prstGeom>
+        </p:spPr>
+      </p:pic>
+      <p:pic>
+        <p:nvPicPr>
+          <p:cNvPr id="9" name="Graphic 8">
+            <a:extLst>
+              <a:ext uri="{FF2B5EF4-FFF2-40B4-BE49-F238E27FC236}">
+                <a16:creationId xmlns:a16="http://schemas.microsoft.com/office/drawing/2014/main" id="{52A58CA8-F760-0F4F-DF17-DEEA5DC8F981}"/>
+              </a:ext>
+            </a:extLst>
+          </p:cNvPr>
+          <p:cNvPicPr>
+            <a:picLocks noChangeAspect="1"/>
+          </p:cNvPicPr>
+          <p:nvPr/>
+        </p:nvPicPr>
+        <p:blipFill>
+          <a:blip r:embed="rId3">
+            <a:extLst>
+              <a:ext uri="{28A0092B-C50C-407E-A947-70E740481C1C}">
+                <a14:useLocalDpi xmlns:a14="http://schemas.microsoft.com/office/drawing/2010/main" val="0"/>
+              </a:ext>
+              <a:ext uri="{96DAC541-7B7A-43D3-8B79-37D633B846F1}">
+                <asvg:svgBlip xmlns:asvg="http://schemas.microsoft.com/office/drawing/2016/SVG/main" r:embed="rId4"/>
+              </a:ext>
+            </a:extLst>
+          </a:blip>
+          <a:stretch>
+            <a:fillRect/>
+          </a:stretch>
+        </p:blipFill>
+        <p:spPr>
+          <a:xfrm>
+            <a:off x="914400" y="365288"/>
+            <a:ext cx="5572036" cy="1393009"/>
+          </a:xfrm>
+          <a:prstGeom prst="rect">
+            <a:avLst/>
+          </a:prstGeom>
+        </p:spPr>
+      </p:pic>
+    </p:spTree>
+    <p:extLst>
+      <p:ext uri="{BB962C8B-B14F-4D97-AF65-F5344CB8AC3E}">
+        <p14:creationId xmlns:p14="http://schemas.microsoft.com/office/powerpoint/2010/main" val="2950940139"/>
+      </p:ext>
+    </p:extLst>
+  </p:cSld>
+  <p:clrMapOvr>
+    <a:masterClrMapping/>
+  </p:clrMapOvr>
+</p:sld>
+</file>
+
+<file path=ppt/slides/slide42.xml><?xml version="1.0" encoding="utf-8"?>
+<p:sld xmlns:a="http://schemas.openxmlformats.org/drawingml/2006/main" xmlns:r="http://schemas.openxmlformats.org/officeDocument/2006/relationships" xmlns:p="http://schemas.openxmlformats.org/presentationml/2006/main">
+  <p:cSld>
+    <p:spTree>
+      <p:nvGrpSpPr>
+        <p:cNvPr id="1" name=""/>
+        <p:cNvGrpSpPr/>
+        <p:nvPr/>
+      </p:nvGrpSpPr>
+      <p:grpSpPr>
+        <a:xfrm>
+          <a:off x="0" y="0"/>
+          <a:ext cx="0" cy="0"/>
+          <a:chOff x="0" y="0"/>
+          <a:chExt cx="0" cy="0"/>
+        </a:xfrm>
+      </p:grpSpPr>
+      <p:sp>
+        <p:nvSpPr>
+          <p:cNvPr id="2" name="Title 1">
+            <a:extLst>
+              <a:ext uri="{FF2B5EF4-FFF2-40B4-BE49-F238E27FC236}">
                 <a16:creationId xmlns:a16="http://schemas.microsoft.com/office/drawing/2014/main" id="{BC66187C-3C33-B2B7-1BBB-7BD9C51B58D2}"/>
               </a:ext>
             </a:extLst>
@@ -15473,7 +15792,7 @@
 </p:sld>
 </file>
 
-<file path=ppt/slides/slide41.xml><?xml version="1.0" encoding="utf-8"?>
+<file path=ppt/slides/slide43.xml><?xml version="1.0" encoding="utf-8"?>
 <p:sld xmlns:a="http://schemas.openxmlformats.org/drawingml/2006/main" xmlns:r="http://schemas.openxmlformats.org/officeDocument/2006/relationships" xmlns:p="http://schemas.openxmlformats.org/presentationml/2006/main">
   <p:cSld>
     <p:spTree>
@@ -15584,7 +15903,7 @@
 </p:sld>
 </file>
 
-<file path=ppt/slides/slide42.xml><?xml version="1.0" encoding="utf-8"?>
+<file path=ppt/slides/slide44.xml><?xml version="1.0" encoding="utf-8"?>
 <p:sld xmlns:a="http://schemas.openxmlformats.org/drawingml/2006/main" xmlns:r="http://schemas.openxmlformats.org/officeDocument/2006/relationships" xmlns:p="http://schemas.openxmlformats.org/presentationml/2006/main">
   <p:cSld>
     <p:spTree>
@@ -15742,7 +16061,7 @@
 </p:sld>
 </file>
 
-<file path=ppt/slides/slide43.xml><?xml version="1.0" encoding="utf-8"?>
+<file path=ppt/slides/slide45.xml><?xml version="1.0" encoding="utf-8"?>
 <p:sld xmlns:a="http://schemas.openxmlformats.org/drawingml/2006/main" xmlns:r="http://schemas.openxmlformats.org/officeDocument/2006/relationships" xmlns:p="http://schemas.openxmlformats.org/presentationml/2006/main">
   <p:cSld>
     <p:spTree>
@@ -16170,7 +16489,7 @@
 </p:sld>
 </file>
 
-<file path=ppt/slides/slide44.xml><?xml version="1.0" encoding="utf-8"?>
+<file path=ppt/slides/slide46.xml><?xml version="1.0" encoding="utf-8"?>
 <p:sld xmlns:a="http://schemas.openxmlformats.org/drawingml/2006/main" xmlns:r="http://schemas.openxmlformats.org/officeDocument/2006/relationships" xmlns:p="http://schemas.openxmlformats.org/presentationml/2006/main">
   <p:cSld>
     <p:spTree>
@@ -16331,7 +16650,7 @@
 </p:sld>
 </file>
 
-<file path=ppt/slides/slide45.xml><?xml version="1.0" encoding="utf-8"?>
+<file path=ppt/slides/slide47.xml><?xml version="1.0" encoding="utf-8"?>
 <p:sld xmlns:a="http://schemas.openxmlformats.org/drawingml/2006/main" xmlns:r="http://schemas.openxmlformats.org/officeDocument/2006/relationships" xmlns:p="http://schemas.openxmlformats.org/presentationml/2006/main">
   <p:cSld>
     <p:spTree>
@@ -17449,15 +17768,23 @@
             </a:pPr>
             <a:r>
               <a:rPr lang="de-DE" dirty="0"/>
-              <a:t>Zusätzliche Token durch &lt;</a:t>
-            </a:r>
-            <a:r>
-              <a:rPr lang="de-DE" dirty="0" err="1"/>
+              <a:t>Zusätzliche Token durch </a:t>
+            </a:r>
+            <a:r>
+              <a:rPr lang="de-DE" b="1" dirty="0"/>
+              <a:t>&lt;</a:t>
+            </a:r>
+            <a:r>
+              <a:rPr lang="de-DE" b="1" dirty="0" err="1"/>
               <a:t>script</a:t>
             </a:r>
             <a:r>
+              <a:rPr lang="de-DE" b="1" dirty="0"/>
+              <a:t>&gt; </a:t>
+            </a:r>
+            <a:r>
               <a:rPr lang="de-DE" dirty="0"/>
-              <a:t>&gt; Elemente</a:t>
+              <a:t>Elemente</a:t>
             </a:r>
           </a:p>
           <a:p>

--- a/ssr_presentation.pptx
+++ b/ssr_presentation.pptx
@@ -5,7 +5,7 @@
     <p:sldMasterId id="2147483686" r:id="rId1"/>
   </p:sldMasterIdLst>
   <p:notesMasterIdLst>
-    <p:notesMasterId r:id="rId49"/>
+    <p:notesMasterId r:id="rId48"/>
   </p:notesMasterIdLst>
   <p:sldIdLst>
     <p:sldId id="260" r:id="rId2"/>
@@ -31,30 +31,29 @@
     <p:sldId id="280" r:id="rId22"/>
     <p:sldId id="290" r:id="rId23"/>
     <p:sldId id="291" r:id="rId24"/>
-    <p:sldId id="310" r:id="rId25"/>
-    <p:sldId id="292" r:id="rId26"/>
-    <p:sldId id="293" r:id="rId27"/>
-    <p:sldId id="294" r:id="rId28"/>
-    <p:sldId id="295" r:id="rId29"/>
-    <p:sldId id="281" r:id="rId30"/>
-    <p:sldId id="283" r:id="rId31"/>
-    <p:sldId id="282" r:id="rId32"/>
-    <p:sldId id="289" r:id="rId33"/>
-    <p:sldId id="284" r:id="rId34"/>
-    <p:sldId id="300" r:id="rId35"/>
-    <p:sldId id="285" r:id="rId36"/>
-    <p:sldId id="286" r:id="rId37"/>
-    <p:sldId id="309" r:id="rId38"/>
-    <p:sldId id="308" r:id="rId39"/>
-    <p:sldId id="307" r:id="rId40"/>
-    <p:sldId id="311" r:id="rId41"/>
-    <p:sldId id="298" r:id="rId42"/>
-    <p:sldId id="299" r:id="rId43"/>
-    <p:sldId id="296" r:id="rId44"/>
-    <p:sldId id="287" r:id="rId45"/>
-    <p:sldId id="306" r:id="rId46"/>
-    <p:sldId id="305" r:id="rId47"/>
-    <p:sldId id="262" r:id="rId48"/>
+    <p:sldId id="292" r:id="rId25"/>
+    <p:sldId id="293" r:id="rId26"/>
+    <p:sldId id="294" r:id="rId27"/>
+    <p:sldId id="295" r:id="rId28"/>
+    <p:sldId id="281" r:id="rId29"/>
+    <p:sldId id="283" r:id="rId30"/>
+    <p:sldId id="282" r:id="rId31"/>
+    <p:sldId id="289" r:id="rId32"/>
+    <p:sldId id="284" r:id="rId33"/>
+    <p:sldId id="300" r:id="rId34"/>
+    <p:sldId id="285" r:id="rId35"/>
+    <p:sldId id="286" r:id="rId36"/>
+    <p:sldId id="309" r:id="rId37"/>
+    <p:sldId id="308" r:id="rId38"/>
+    <p:sldId id="307" r:id="rId39"/>
+    <p:sldId id="311" r:id="rId40"/>
+    <p:sldId id="298" r:id="rId41"/>
+    <p:sldId id="299" r:id="rId42"/>
+    <p:sldId id="296" r:id="rId43"/>
+    <p:sldId id="287" r:id="rId44"/>
+    <p:sldId id="306" r:id="rId45"/>
+    <p:sldId id="305" r:id="rId46"/>
+    <p:sldId id="262" r:id="rId47"/>
   </p:sldIdLst>
   <p:sldSz cx="9144000" cy="6858000" type="screen4x3"/>
   <p:notesSz cx="6858000" cy="9144000"/>
@@ -181,7 +180,6 @@
             <p14:sldId id="280"/>
             <p14:sldId id="290"/>
             <p14:sldId id="291"/>
-            <p14:sldId id="310"/>
             <p14:sldId id="292"/>
             <p14:sldId id="293"/>
             <p14:sldId id="294"/>
@@ -454,7 +452,7 @@
           </a:lstStyle>
           <a:p>
             <a:fld id="{6AE199AB-22D9-47DC-95EE-3214FBA6CE59}" type="slidenum">
-              <a:t>‹#›</a:t>
+              <a:t>‹Nr.›</a:t>
             </a:fld>
             <a:endParaRPr lang="en-GB"/>
           </a:p>
@@ -6619,7 +6617,7 @@
                   <a:spcPts val="1180"/>
                 </a:lnSpc>
               </a:pPr>
-              <a:t>‹#›</a:t>
+              <a:t>‹Nr.›</a:t>
             </a:fld>
             <a:endParaRPr kumimoji="0" lang="de-DE" sz="900" dirty="0">
               <a:solidFill>
@@ -11689,89 +11687,6 @@
           <p:cNvPr id="2" name="Text Placeholder 1">
             <a:extLst>
               <a:ext uri="{FF2B5EF4-FFF2-40B4-BE49-F238E27FC236}">
-                <a16:creationId xmlns:a16="http://schemas.microsoft.com/office/drawing/2014/main" id="{F2438F49-3321-D285-86E0-763815BA5B48}"/>
-              </a:ext>
-            </a:extLst>
-          </p:cNvPr>
-          <p:cNvSpPr>
-            <a:spLocks noGrp="1"/>
-          </p:cNvSpPr>
-          <p:nvPr>
-            <p:ph type="body" sz="quarter" idx="12"/>
-          </p:nvPr>
-        </p:nvSpPr>
-        <p:spPr/>
-        <p:txBody>
-          <a:bodyPr/>
-          <a:lstStyle/>
-          <a:p>
-            <a:endParaRPr lang="de-DE"/>
-          </a:p>
-        </p:txBody>
-      </p:sp>
-      <p:sp>
-        <p:nvSpPr>
-          <p:cNvPr id="3" name="Title 2">
-            <a:extLst>
-              <a:ext uri="{FF2B5EF4-FFF2-40B4-BE49-F238E27FC236}">
-                <a16:creationId xmlns:a16="http://schemas.microsoft.com/office/drawing/2014/main" id="{B0B1CC05-1441-A524-615D-77BD710C9C98}"/>
-              </a:ext>
-            </a:extLst>
-          </p:cNvPr>
-          <p:cNvSpPr>
-            <a:spLocks noGrp="1"/>
-          </p:cNvSpPr>
-          <p:nvPr>
-            <p:ph type="title"/>
-          </p:nvPr>
-        </p:nvSpPr>
-        <p:spPr/>
-        <p:txBody>
-          <a:bodyPr/>
-          <a:lstStyle/>
-          <a:p>
-            <a:r>
-              <a:rPr lang="de-DE" dirty="0"/>
-              <a:t>Navigation</a:t>
-            </a:r>
-          </a:p>
-        </p:txBody>
-      </p:sp>
-    </p:spTree>
-    <p:extLst>
-      <p:ext uri="{BB962C8B-B14F-4D97-AF65-F5344CB8AC3E}">
-        <p14:creationId xmlns:p14="http://schemas.microsoft.com/office/powerpoint/2010/main" val="3666111739"/>
-      </p:ext>
-    </p:extLst>
-  </p:cSld>
-  <p:clrMapOvr>
-    <a:masterClrMapping/>
-  </p:clrMapOvr>
-</p:sld>
-</file>
-
-<file path=ppt/slides/slide25.xml><?xml version="1.0" encoding="utf-8"?>
-<p:sld xmlns:a="http://schemas.openxmlformats.org/drawingml/2006/main" xmlns:r="http://schemas.openxmlformats.org/officeDocument/2006/relationships" xmlns:p="http://schemas.openxmlformats.org/presentationml/2006/main">
-  <p:cSld>
-    <p:spTree>
-      <p:nvGrpSpPr>
-        <p:cNvPr id="1" name=""/>
-        <p:cNvGrpSpPr/>
-        <p:nvPr/>
-      </p:nvGrpSpPr>
-      <p:grpSpPr>
-        <a:xfrm>
-          <a:off x="0" y="0"/>
-          <a:ext cx="0" cy="0"/>
-          <a:chOff x="0" y="0"/>
-          <a:chExt cx="0" cy="0"/>
-        </a:xfrm>
-      </p:grpSpPr>
-      <p:sp>
-        <p:nvSpPr>
-          <p:cNvPr id="2" name="Text Placeholder 1">
-            <a:extLst>
-              <a:ext uri="{FF2B5EF4-FFF2-40B4-BE49-F238E27FC236}">
                 <a16:creationId xmlns:a16="http://schemas.microsoft.com/office/drawing/2014/main" id="{3C4255F5-F3B1-76F8-02A8-422C49BA23CD}"/>
               </a:ext>
             </a:extLst>
@@ -12084,7 +11999,7 @@
 </p:sld>
 </file>
 
-<file path=ppt/slides/slide26.xml><?xml version="1.0" encoding="utf-8"?>
+<file path=ppt/slides/slide25.xml><?xml version="1.0" encoding="utf-8"?>
 <p:sld xmlns:a="http://schemas.openxmlformats.org/drawingml/2006/main" xmlns:r="http://schemas.openxmlformats.org/officeDocument/2006/relationships" xmlns:p="http://schemas.openxmlformats.org/presentationml/2006/main">
   <p:cSld>
     <p:spTree>
@@ -12289,7 +12204,7 @@
 </p:sld>
 </file>
 
-<file path=ppt/slides/slide27.xml><?xml version="1.0" encoding="utf-8"?>
+<file path=ppt/slides/slide26.xml><?xml version="1.0" encoding="utf-8"?>
 <p:sld xmlns:a="http://schemas.openxmlformats.org/drawingml/2006/main" xmlns:r="http://schemas.openxmlformats.org/officeDocument/2006/relationships" xmlns:p="http://schemas.openxmlformats.org/presentationml/2006/main">
   <p:cSld>
     <p:spTree>
@@ -12491,6 +12406,24 @@
             <a:r>
               <a:rPr lang="de-DE" dirty="0"/>
               <a:t>Dateien erstellen Layouts, die für alle Seiten gelten</a:t>
+            </a:r>
+          </a:p>
+          <a:p>
+            <a:r>
+              <a:rPr lang="de-DE" dirty="0"/>
+              <a:t>Routing mit </a:t>
+            </a:r>
+            <a:r>
+              <a:rPr lang="de-DE" b="1" dirty="0"/>
+              <a:t>&lt;a </a:t>
+            </a:r>
+            <a:r>
+              <a:rPr lang="de-DE" b="1" dirty="0" err="1"/>
+              <a:t>href</a:t>
+            </a:r>
+            <a:r>
+              <a:rPr lang="de-DE" b="1" dirty="0"/>
+              <a:t>=““&gt;&lt;/a&gt;</a:t>
             </a:r>
           </a:p>
         </p:txBody>
@@ -12538,7 +12471,7 @@
 </p:sld>
 </file>
 
-<file path=ppt/slides/slide28.xml><?xml version="1.0" encoding="utf-8"?>
+<file path=ppt/slides/slide27.xml><?xml version="1.0" encoding="utf-8"?>
 <p:sld xmlns:a="http://schemas.openxmlformats.org/drawingml/2006/main" xmlns:r="http://schemas.openxmlformats.org/officeDocument/2006/relationships" xmlns:p="http://schemas.openxmlformats.org/presentationml/2006/main">
   <p:cSld>
     <p:spTree>
@@ -12868,6 +12801,133 @@
     <p:extLst>
       <p:ext uri="{BB962C8B-B14F-4D97-AF65-F5344CB8AC3E}">
         <p14:creationId xmlns:p14="http://schemas.microsoft.com/office/powerpoint/2010/main" val="622717015"/>
+      </p:ext>
+    </p:extLst>
+  </p:cSld>
+  <p:clrMapOvr>
+    <a:masterClrMapping/>
+  </p:clrMapOvr>
+</p:sld>
+</file>
+
+<file path=ppt/slides/slide28.xml><?xml version="1.0" encoding="utf-8"?>
+<p:sld xmlns:a="http://schemas.openxmlformats.org/drawingml/2006/main" xmlns:r="http://schemas.openxmlformats.org/officeDocument/2006/relationships" xmlns:p="http://schemas.openxmlformats.org/presentationml/2006/main">
+  <p:cSld>
+    <p:spTree>
+      <p:nvGrpSpPr>
+        <p:cNvPr id="1" name=""/>
+        <p:cNvGrpSpPr/>
+        <p:nvPr/>
+      </p:nvGrpSpPr>
+      <p:grpSpPr>
+        <a:xfrm>
+          <a:off x="0" y="0"/>
+          <a:ext cx="0" cy="0"/>
+          <a:chOff x="0" y="0"/>
+          <a:chExt cx="0" cy="0"/>
+        </a:xfrm>
+      </p:grpSpPr>
+      <p:sp>
+        <p:nvSpPr>
+          <p:cNvPr id="2" name="Title 1">
+            <a:extLst>
+              <a:ext uri="{FF2B5EF4-FFF2-40B4-BE49-F238E27FC236}">
+                <a16:creationId xmlns:a16="http://schemas.microsoft.com/office/drawing/2014/main" id="{6077828E-EF5D-4D9C-82D2-9AB685FB343E}"/>
+              </a:ext>
+            </a:extLst>
+          </p:cNvPr>
+          <p:cNvSpPr>
+            <a:spLocks noGrp="1"/>
+          </p:cNvSpPr>
+          <p:nvPr>
+            <p:ph type="title"/>
+          </p:nvPr>
+        </p:nvSpPr>
+        <p:spPr/>
+        <p:txBody>
+          <a:bodyPr/>
+          <a:lstStyle/>
+          <a:p>
+            <a:r>
+              <a:rPr lang="de-DE" dirty="0"/>
+              <a:t>Aufgabe 2</a:t>
+            </a:r>
+          </a:p>
+        </p:txBody>
+      </p:sp>
+      <p:sp>
+        <p:nvSpPr>
+          <p:cNvPr id="3" name="Content Placeholder 2">
+            <a:extLst>
+              <a:ext uri="{FF2B5EF4-FFF2-40B4-BE49-F238E27FC236}">
+                <a16:creationId xmlns:a16="http://schemas.microsoft.com/office/drawing/2014/main" id="{0903BBC0-3028-FDC0-6477-CB56B34F9F53}"/>
+              </a:ext>
+            </a:extLst>
+          </p:cNvPr>
+          <p:cNvSpPr>
+            <a:spLocks noGrp="1"/>
+          </p:cNvSpPr>
+          <p:nvPr>
+            <p:ph idx="1"/>
+          </p:nvPr>
+        </p:nvSpPr>
+        <p:spPr/>
+        <p:txBody>
+          <a:bodyPr>
+            <a:normAutofit/>
+          </a:bodyPr>
+          <a:lstStyle/>
+          <a:p>
+            <a:r>
+              <a:rPr lang="de-DE" sz="2400" dirty="0"/>
+              <a:t>Implementiert die Anwendung mit </a:t>
+            </a:r>
+            <a:r>
+              <a:rPr lang="de-DE" sz="2400" dirty="0" err="1"/>
+              <a:t>SvelteKit</a:t>
+            </a:r>
+            <a:endParaRPr lang="de-DE" sz="2400" dirty="0"/>
+          </a:p>
+          <a:p>
+            <a:endParaRPr lang="de-DE" sz="2400" dirty="0"/>
+          </a:p>
+          <a:p>
+            <a:r>
+              <a:rPr lang="de-DE" sz="2400" dirty="0"/>
+              <a:t>Die Genaue Anleitung ist im Repository</a:t>
+            </a:r>
+          </a:p>
+        </p:txBody>
+      </p:sp>
+      <p:sp>
+        <p:nvSpPr>
+          <p:cNvPr id="4" name="Text Placeholder 3">
+            <a:extLst>
+              <a:ext uri="{FF2B5EF4-FFF2-40B4-BE49-F238E27FC236}">
+                <a16:creationId xmlns:a16="http://schemas.microsoft.com/office/drawing/2014/main" id="{E35E8731-288D-BF58-69C5-5CFFA350EE3D}"/>
+              </a:ext>
+            </a:extLst>
+          </p:cNvPr>
+          <p:cNvSpPr>
+            <a:spLocks noGrp="1"/>
+          </p:cNvSpPr>
+          <p:nvPr>
+            <p:ph type="body" idx="10"/>
+          </p:nvPr>
+        </p:nvSpPr>
+        <p:spPr/>
+        <p:txBody>
+          <a:bodyPr/>
+          <a:lstStyle/>
+          <a:p>
+            <a:endParaRPr lang="de-DE"/>
+          </a:p>
+        </p:txBody>
+      </p:sp>
+    </p:spTree>
+    <p:extLst>
+      <p:ext uri="{BB962C8B-B14F-4D97-AF65-F5344CB8AC3E}">
+        <p14:creationId xmlns:p14="http://schemas.microsoft.com/office/powerpoint/2010/main" val="4036696167"/>
       </p:ext>
     </p:extLst>
   </p:cSld>
@@ -12899,7 +12959,7 @@
           <p:cNvPr id="2" name="Title 1">
             <a:extLst>
               <a:ext uri="{FF2B5EF4-FFF2-40B4-BE49-F238E27FC236}">
-                <a16:creationId xmlns:a16="http://schemas.microsoft.com/office/drawing/2014/main" id="{6077828E-EF5D-4D9C-82D2-9AB685FB343E}"/>
+                <a16:creationId xmlns:a16="http://schemas.microsoft.com/office/drawing/2014/main" id="{5551D43F-E14C-1986-1DCF-98F5A2BB653E}"/>
               </a:ext>
             </a:extLst>
           </p:cNvPr>
@@ -12907,94 +12967,30 @@
             <a:spLocks noGrp="1"/>
           </p:cNvSpPr>
           <p:nvPr>
-            <p:ph type="title"/>
-          </p:nvPr>
-        </p:nvSpPr>
-        <p:spPr/>
+            <p:ph type="ctrTitle"/>
+          </p:nvPr>
+        </p:nvSpPr>
+        <p:spPr>
+          <a:xfrm>
+            <a:off x="922965" y="2132012"/>
+            <a:ext cx="8078787" cy="1296988"/>
+          </a:xfrm>
+        </p:spPr>
         <p:txBody>
           <a:bodyPr/>
           <a:lstStyle/>
           <a:p>
             <a:r>
               <a:rPr lang="de-DE" dirty="0"/>
-              <a:t>Aufgabe 2</a:t>
-            </a:r>
-          </a:p>
-        </p:txBody>
-      </p:sp>
-      <p:sp>
-        <p:nvSpPr>
-          <p:cNvPr id="3" name="Content Placeholder 2">
-            <a:extLst>
-              <a:ext uri="{FF2B5EF4-FFF2-40B4-BE49-F238E27FC236}">
-                <a16:creationId xmlns:a16="http://schemas.microsoft.com/office/drawing/2014/main" id="{0903BBC0-3028-FDC0-6477-CB56B34F9F53}"/>
-              </a:ext>
-            </a:extLst>
-          </p:cNvPr>
-          <p:cNvSpPr>
-            <a:spLocks noGrp="1"/>
-          </p:cNvSpPr>
-          <p:nvPr>
-            <p:ph idx="1"/>
-          </p:nvPr>
-        </p:nvSpPr>
-        <p:spPr/>
-        <p:txBody>
-          <a:bodyPr>
-            <a:normAutofit/>
-          </a:bodyPr>
-          <a:lstStyle/>
-          <a:p>
-            <a:r>
-              <a:rPr lang="de-DE" sz="2400" dirty="0"/>
-              <a:t>Implementiert die Anwendung mit </a:t>
-            </a:r>
-            <a:r>
-              <a:rPr lang="de-DE" sz="2400" dirty="0" err="1"/>
-              <a:t>SvelteKit</a:t>
-            </a:r>
-            <a:endParaRPr lang="de-DE" sz="2400" dirty="0"/>
-          </a:p>
-          <a:p>
-            <a:endParaRPr lang="de-DE" sz="2400" dirty="0"/>
-          </a:p>
-          <a:p>
-            <a:r>
-              <a:rPr lang="de-DE" sz="2400" dirty="0"/>
-              <a:t>Die Genaue Anleitung ist im Repository</a:t>
-            </a:r>
-          </a:p>
-        </p:txBody>
-      </p:sp>
-      <p:sp>
-        <p:nvSpPr>
-          <p:cNvPr id="4" name="Text Placeholder 3">
-            <a:extLst>
-              <a:ext uri="{FF2B5EF4-FFF2-40B4-BE49-F238E27FC236}">
-                <a16:creationId xmlns:a16="http://schemas.microsoft.com/office/drawing/2014/main" id="{E35E8731-288D-BF58-69C5-5CFFA350EE3D}"/>
-              </a:ext>
-            </a:extLst>
-          </p:cNvPr>
-          <p:cNvSpPr>
-            <a:spLocks noGrp="1"/>
-          </p:cNvSpPr>
-          <p:nvPr>
-            <p:ph type="body" idx="10"/>
-          </p:nvPr>
-        </p:nvSpPr>
-        <p:spPr/>
-        <p:txBody>
-          <a:bodyPr/>
-          <a:lstStyle/>
-          <a:p>
-            <a:endParaRPr lang="de-DE"/>
+              <a:t>Pause (10 Minuten)</a:t>
+            </a:r>
           </a:p>
         </p:txBody>
       </p:sp>
     </p:spTree>
     <p:extLst>
       <p:ext uri="{BB962C8B-B14F-4D97-AF65-F5344CB8AC3E}">
-        <p14:creationId xmlns:p14="http://schemas.microsoft.com/office/powerpoint/2010/main" val="4036696167"/>
+        <p14:creationId xmlns:p14="http://schemas.microsoft.com/office/powerpoint/2010/main" val="2964982594"/>
       </p:ext>
     </p:extLst>
   </p:cSld>
@@ -13193,7 +13189,7 @@
           <p:cNvPr id="2" name="Title 1">
             <a:extLst>
               <a:ext uri="{FF2B5EF4-FFF2-40B4-BE49-F238E27FC236}">
-                <a16:creationId xmlns:a16="http://schemas.microsoft.com/office/drawing/2014/main" id="{5551D43F-E14C-1986-1DCF-98F5A2BB653E}"/>
+                <a16:creationId xmlns:a16="http://schemas.microsoft.com/office/drawing/2014/main" id="{608C1C0C-7C13-81CF-5D57-8EF5A0E5F994}"/>
               </a:ext>
             </a:extLst>
           </p:cNvPr>
@@ -13201,30 +13197,80 @@
             <a:spLocks noGrp="1"/>
           </p:cNvSpPr>
           <p:nvPr>
-            <p:ph type="ctrTitle"/>
-          </p:nvPr>
-        </p:nvSpPr>
-        <p:spPr>
-          <a:xfrm>
-            <a:off x="922965" y="2132012"/>
-            <a:ext cx="8078787" cy="1296988"/>
-          </a:xfrm>
-        </p:spPr>
+            <p:ph type="title"/>
+          </p:nvPr>
+        </p:nvSpPr>
+        <p:spPr/>
         <p:txBody>
           <a:bodyPr/>
           <a:lstStyle/>
           <a:p>
             <a:r>
               <a:rPr lang="de-DE" dirty="0"/>
-              <a:t>Pause (10 Minuten)</a:t>
-            </a:r>
+              <a:t>Aufgabe 3</a:t>
+            </a:r>
+          </a:p>
+        </p:txBody>
+      </p:sp>
+      <p:sp>
+        <p:nvSpPr>
+          <p:cNvPr id="3" name="Content Placeholder 2">
+            <a:extLst>
+              <a:ext uri="{FF2B5EF4-FFF2-40B4-BE49-F238E27FC236}">
+                <a16:creationId xmlns:a16="http://schemas.microsoft.com/office/drawing/2014/main" id="{3CEE6B4B-85DA-3BD3-0A92-78FA65576F3E}"/>
+              </a:ext>
+            </a:extLst>
+          </p:cNvPr>
+          <p:cNvSpPr>
+            <a:spLocks noGrp="1"/>
+          </p:cNvSpPr>
+          <p:nvPr>
+            <p:ph idx="1"/>
+          </p:nvPr>
+        </p:nvSpPr>
+        <p:spPr/>
+        <p:txBody>
+          <a:bodyPr>
+            <a:normAutofit/>
+          </a:bodyPr>
+          <a:lstStyle/>
+          <a:p>
+            <a:r>
+              <a:rPr lang="de-DE" sz="2400" dirty="0"/>
+              <a:t>Schaltet CSR für die Anwendung aus und vergleicht die Netzwerkanalyse und DOM mit den zwei anderen Anwendungen</a:t>
+            </a:r>
+          </a:p>
+        </p:txBody>
+      </p:sp>
+      <p:sp>
+        <p:nvSpPr>
+          <p:cNvPr id="4" name="Text Placeholder 3">
+            <a:extLst>
+              <a:ext uri="{FF2B5EF4-FFF2-40B4-BE49-F238E27FC236}">
+                <a16:creationId xmlns:a16="http://schemas.microsoft.com/office/drawing/2014/main" id="{EF4893E2-687C-D711-5496-0A07241D15F7}"/>
+              </a:ext>
+            </a:extLst>
+          </p:cNvPr>
+          <p:cNvSpPr>
+            <a:spLocks noGrp="1"/>
+          </p:cNvSpPr>
+          <p:nvPr>
+            <p:ph type="body" idx="10"/>
+          </p:nvPr>
+        </p:nvSpPr>
+        <p:spPr/>
+        <p:txBody>
+          <a:bodyPr/>
+          <a:lstStyle/>
+          <a:p>
+            <a:endParaRPr lang="de-DE"/>
           </a:p>
         </p:txBody>
       </p:sp>
     </p:spTree>
     <p:extLst>
       <p:ext uri="{BB962C8B-B14F-4D97-AF65-F5344CB8AC3E}">
-        <p14:creationId xmlns:p14="http://schemas.microsoft.com/office/powerpoint/2010/main" val="2964982594"/>
+        <p14:creationId xmlns:p14="http://schemas.microsoft.com/office/powerpoint/2010/main" val="3002484173"/>
       </p:ext>
     </p:extLst>
   </p:cSld>
@@ -13256,7 +13302,7 @@
           <p:cNvPr id="2" name="Title 1">
             <a:extLst>
               <a:ext uri="{FF2B5EF4-FFF2-40B4-BE49-F238E27FC236}">
-                <a16:creationId xmlns:a16="http://schemas.microsoft.com/office/drawing/2014/main" id="{608C1C0C-7C13-81CF-5D57-8EF5A0E5F994}"/>
+                <a16:creationId xmlns:a16="http://schemas.microsoft.com/office/drawing/2014/main" id="{DC7BA470-1F5E-528C-6492-D5BE0B15BC0C}"/>
               </a:ext>
             </a:extLst>
           </p:cNvPr>
@@ -13274,7 +13320,7 @@
           <a:p>
             <a:r>
               <a:rPr lang="de-DE" dirty="0"/>
-              <a:t>Aufgabe 3</a:t>
+              <a:t>Hydration</a:t>
             </a:r>
           </a:p>
         </p:txBody>
@@ -13284,7 +13330,7 @@
           <p:cNvPr id="3" name="Content Placeholder 2">
             <a:extLst>
               <a:ext uri="{FF2B5EF4-FFF2-40B4-BE49-F238E27FC236}">
-                <a16:creationId xmlns:a16="http://schemas.microsoft.com/office/drawing/2014/main" id="{3CEE6B4B-85DA-3BD3-0A92-78FA65576F3E}"/>
+                <a16:creationId xmlns:a16="http://schemas.microsoft.com/office/drawing/2014/main" id="{09DE4392-89A4-49AE-ED6C-A053F8EA1B92}"/>
               </a:ext>
             </a:extLst>
           </p:cNvPr>
@@ -13297,14 +13343,58 @@
         </p:nvSpPr>
         <p:spPr/>
         <p:txBody>
-          <a:bodyPr>
-            <a:normAutofit/>
-          </a:bodyPr>
+          <a:bodyPr/>
           <a:lstStyle/>
           <a:p>
-            <a:r>
-              <a:rPr lang="de-DE" sz="2400" dirty="0"/>
-              <a:t>Schaltet CSR für die Anwendung aus und vergleicht die Netzwerkanalyse und DOM mit den zwei anderen Anwendungen</a:t>
+            <a:pPr marL="342900" indent="-342900">
+              <a:buFont typeface="Arial" panose="020B0604020202020204" pitchFamily="34" charset="0"/>
+              <a:buChar char="•"/>
+            </a:pPr>
+            <a:r>
+              <a:rPr lang="de-DE" dirty="0"/>
+              <a:t>SSR-Anwendungen sind standardmäßig statisch</a:t>
+            </a:r>
+          </a:p>
+          <a:p>
+            <a:pPr marL="342900" indent="-342900">
+              <a:buFont typeface="Arial" panose="020B0604020202020204" pitchFamily="34" charset="0"/>
+              <a:buChar char="•"/>
+            </a:pPr>
+            <a:r>
+              <a:rPr lang="de-DE" dirty="0"/>
+              <a:t>Hydration ist das Binden von JavaScript an die DOM</a:t>
+            </a:r>
+          </a:p>
+          <a:p>
+            <a:pPr marL="342900" indent="-342900">
+              <a:buFont typeface="Arial" panose="020B0604020202020204" pitchFamily="34" charset="0"/>
+              <a:buChar char="•"/>
+            </a:pPr>
+            <a:r>
+              <a:rPr lang="de-DE" dirty="0"/>
+              <a:t>Fügt wieder Interaktion und Client Side Navigation hinzu</a:t>
+            </a:r>
+          </a:p>
+          <a:p>
+            <a:pPr marL="342900" indent="-342900">
+              <a:buFont typeface="Arial" panose="020B0604020202020204" pitchFamily="34" charset="0"/>
+              <a:buChar char="•"/>
+            </a:pPr>
+            <a:endParaRPr lang="de-DE" dirty="0"/>
+          </a:p>
+          <a:p>
+            <a:pPr algn="ctr"/>
+            <a:r>
+              <a:rPr lang="de-DE" b="1" dirty="0"/>
+              <a:t>Best </a:t>
+            </a:r>
+            <a:r>
+              <a:rPr lang="de-DE" b="1" dirty="0" err="1"/>
+              <a:t>of</a:t>
+            </a:r>
+            <a:r>
+              <a:rPr lang="de-DE" b="1" dirty="0"/>
+              <a:t> Both Worlds</a:t>
             </a:r>
           </a:p>
         </p:txBody>
@@ -13314,7 +13404,7 @@
           <p:cNvPr id="4" name="Text Placeholder 3">
             <a:extLst>
               <a:ext uri="{FF2B5EF4-FFF2-40B4-BE49-F238E27FC236}">
-                <a16:creationId xmlns:a16="http://schemas.microsoft.com/office/drawing/2014/main" id="{EF4893E2-687C-D711-5496-0A07241D15F7}"/>
+                <a16:creationId xmlns:a16="http://schemas.microsoft.com/office/drawing/2014/main" id="{5B6C6166-A2C0-1A54-4F6C-80C4FB549DED}"/>
               </a:ext>
             </a:extLst>
           </p:cNvPr>
@@ -13337,7 +13427,7 @@
     </p:spTree>
     <p:extLst>
       <p:ext uri="{BB962C8B-B14F-4D97-AF65-F5344CB8AC3E}">
-        <p14:creationId xmlns:p14="http://schemas.microsoft.com/office/powerpoint/2010/main" val="3002484173"/>
+        <p14:creationId xmlns:p14="http://schemas.microsoft.com/office/powerpoint/2010/main" val="2905582115"/>
       </p:ext>
     </p:extLst>
   </p:cSld>
@@ -13369,7 +13459,7 @@
           <p:cNvPr id="2" name="Title 1">
             <a:extLst>
               <a:ext uri="{FF2B5EF4-FFF2-40B4-BE49-F238E27FC236}">
-                <a16:creationId xmlns:a16="http://schemas.microsoft.com/office/drawing/2014/main" id="{DC7BA470-1F5E-528C-6492-D5BE0B15BC0C}"/>
+                <a16:creationId xmlns:a16="http://schemas.microsoft.com/office/drawing/2014/main" id="{2AB36D3A-CD09-E00A-E5F0-54D316FE7CF2}"/>
               </a:ext>
             </a:extLst>
           </p:cNvPr>
@@ -13387,7 +13477,7 @@
           <a:p>
             <a:r>
               <a:rPr lang="de-DE" dirty="0"/>
-              <a:t>Hydration</a:t>
+              <a:t>Performance</a:t>
             </a:r>
           </a:p>
         </p:txBody>
@@ -13397,7 +13487,7 @@
           <p:cNvPr id="3" name="Content Placeholder 2">
             <a:extLst>
               <a:ext uri="{FF2B5EF4-FFF2-40B4-BE49-F238E27FC236}">
-                <a16:creationId xmlns:a16="http://schemas.microsoft.com/office/drawing/2014/main" id="{09DE4392-89A4-49AE-ED6C-A053F8EA1B92}"/>
+                <a16:creationId xmlns:a16="http://schemas.microsoft.com/office/drawing/2014/main" id="{D5774533-6698-B35C-2681-EBD1CC690B24}"/>
               </a:ext>
             </a:extLst>
           </p:cNvPr>
@@ -13419,7 +13509,44 @@
             </a:pPr>
             <a:r>
               <a:rPr lang="de-DE" dirty="0"/>
-              <a:t>SSR-Anwendungen sind standardmäßig statisch</a:t>
+              <a:t>Performance ist relativ</a:t>
+            </a:r>
+          </a:p>
+          <a:p>
+            <a:pPr marL="666900" lvl="2" indent="-342900"/>
+            <a:r>
+              <a:rPr lang="de-DE" dirty="0"/>
+              <a:t>Netzwerkgeschwindigkeit und Endgerät</a:t>
+            </a:r>
+          </a:p>
+          <a:p>
+            <a:pPr marL="666900" lvl="2" indent="-342900"/>
+            <a:r>
+              <a:rPr lang="de-DE" dirty="0"/>
+              <a:t>Unterschiedliche Wahrnehmung der Ladegeschwindigkeit bei selber Ladezeit (progressive </a:t>
+            </a:r>
+            <a:r>
+              <a:rPr lang="de-DE" dirty="0" err="1"/>
+              <a:t>content</a:t>
+            </a:r>
+            <a:r>
+              <a:rPr lang="de-DE" dirty="0"/>
+              <a:t> </a:t>
+            </a:r>
+            <a:r>
+              <a:rPr lang="de-DE" dirty="0" err="1"/>
+              <a:t>loading</a:t>
+            </a:r>
+            <a:r>
+              <a:rPr lang="de-DE" dirty="0"/>
+              <a:t>)</a:t>
+            </a:r>
+          </a:p>
+          <a:p>
+            <a:pPr marL="666900" lvl="2" indent="-342900"/>
+            <a:r>
+              <a:rPr lang="de-DE" dirty="0"/>
+              <a:t>Schnelles laden aber langsame Interaktionen</a:t>
             </a:r>
           </a:p>
           <a:p>
@@ -13429,17 +13556,7 @@
             </a:pPr>
             <a:r>
               <a:rPr lang="de-DE" dirty="0"/>
-              <a:t>Hydration ist das Binden von JavaScript an die DOM</a:t>
-            </a:r>
-          </a:p>
-          <a:p>
-            <a:pPr marL="342900" indent="-342900">
-              <a:buFont typeface="Arial" panose="020B0604020202020204" pitchFamily="34" charset="0"/>
-              <a:buChar char="•"/>
-            </a:pPr>
-            <a:r>
-              <a:rPr lang="de-DE" dirty="0"/>
-              <a:t>Fügt wieder Interaktion und Client Side Navigation hinzu</a:t>
+              <a:t>Objektive Metriken werden genutzt, um Performance zu messen</a:t>
             </a:r>
           </a:p>
           <a:p>
@@ -13449,21 +13566,6 @@
             </a:pPr>
             <a:endParaRPr lang="de-DE" dirty="0"/>
           </a:p>
-          <a:p>
-            <a:pPr algn="ctr"/>
-            <a:r>
-              <a:rPr lang="de-DE" b="1" dirty="0"/>
-              <a:t>Best </a:t>
-            </a:r>
-            <a:r>
-              <a:rPr lang="de-DE" b="1" dirty="0" err="1"/>
-              <a:t>of</a:t>
-            </a:r>
-            <a:r>
-              <a:rPr lang="de-DE" b="1" dirty="0"/>
-              <a:t> Both Worlds</a:t>
-            </a:r>
-          </a:p>
         </p:txBody>
       </p:sp>
       <p:sp>
@@ -13471,7 +13573,7 @@
           <p:cNvPr id="4" name="Text Placeholder 3">
             <a:extLst>
               <a:ext uri="{FF2B5EF4-FFF2-40B4-BE49-F238E27FC236}">
-                <a16:creationId xmlns:a16="http://schemas.microsoft.com/office/drawing/2014/main" id="{5B6C6166-A2C0-1A54-4F6C-80C4FB549DED}"/>
+                <a16:creationId xmlns:a16="http://schemas.microsoft.com/office/drawing/2014/main" id="{5D9557A3-6F78-B06E-AFD6-A0595FBFEC7D}"/>
               </a:ext>
             </a:extLst>
           </p:cNvPr>
@@ -13494,7 +13596,7 @@
     </p:spTree>
     <p:extLst>
       <p:ext uri="{BB962C8B-B14F-4D97-AF65-F5344CB8AC3E}">
-        <p14:creationId xmlns:p14="http://schemas.microsoft.com/office/powerpoint/2010/main" val="2905582115"/>
+        <p14:creationId xmlns:p14="http://schemas.microsoft.com/office/powerpoint/2010/main" val="1228535191"/>
       </p:ext>
     </p:extLst>
   </p:cSld>
@@ -13526,175 +13628,6 @@
           <p:cNvPr id="2" name="Title 1">
             <a:extLst>
               <a:ext uri="{FF2B5EF4-FFF2-40B4-BE49-F238E27FC236}">
-                <a16:creationId xmlns:a16="http://schemas.microsoft.com/office/drawing/2014/main" id="{2AB36D3A-CD09-E00A-E5F0-54D316FE7CF2}"/>
-              </a:ext>
-            </a:extLst>
-          </p:cNvPr>
-          <p:cNvSpPr>
-            <a:spLocks noGrp="1"/>
-          </p:cNvSpPr>
-          <p:nvPr>
-            <p:ph type="title"/>
-          </p:nvPr>
-        </p:nvSpPr>
-        <p:spPr/>
-        <p:txBody>
-          <a:bodyPr/>
-          <a:lstStyle/>
-          <a:p>
-            <a:r>
-              <a:rPr lang="de-DE" dirty="0"/>
-              <a:t>Performance</a:t>
-            </a:r>
-          </a:p>
-        </p:txBody>
-      </p:sp>
-      <p:sp>
-        <p:nvSpPr>
-          <p:cNvPr id="3" name="Content Placeholder 2">
-            <a:extLst>
-              <a:ext uri="{FF2B5EF4-FFF2-40B4-BE49-F238E27FC236}">
-                <a16:creationId xmlns:a16="http://schemas.microsoft.com/office/drawing/2014/main" id="{D5774533-6698-B35C-2681-EBD1CC690B24}"/>
-              </a:ext>
-            </a:extLst>
-          </p:cNvPr>
-          <p:cNvSpPr>
-            <a:spLocks noGrp="1"/>
-          </p:cNvSpPr>
-          <p:nvPr>
-            <p:ph idx="1"/>
-          </p:nvPr>
-        </p:nvSpPr>
-        <p:spPr/>
-        <p:txBody>
-          <a:bodyPr/>
-          <a:lstStyle/>
-          <a:p>
-            <a:pPr marL="342900" indent="-342900">
-              <a:buFont typeface="Arial" panose="020B0604020202020204" pitchFamily="34" charset="0"/>
-              <a:buChar char="•"/>
-            </a:pPr>
-            <a:r>
-              <a:rPr lang="de-DE" dirty="0"/>
-              <a:t>Performance ist relativ</a:t>
-            </a:r>
-          </a:p>
-          <a:p>
-            <a:pPr marL="666900" lvl="2" indent="-342900"/>
-            <a:r>
-              <a:rPr lang="de-DE" dirty="0"/>
-              <a:t>Netzwerkgeschwindigkeit und Endgerät</a:t>
-            </a:r>
-          </a:p>
-          <a:p>
-            <a:pPr marL="666900" lvl="2" indent="-342900"/>
-            <a:r>
-              <a:rPr lang="de-DE" dirty="0"/>
-              <a:t>Unterschiedliche Wahrnehmung der Ladegeschwindigkeit bei selber Ladezeit (progressive </a:t>
-            </a:r>
-            <a:r>
-              <a:rPr lang="de-DE" dirty="0" err="1"/>
-              <a:t>content</a:t>
-            </a:r>
-            <a:r>
-              <a:rPr lang="de-DE" dirty="0"/>
-              <a:t> </a:t>
-            </a:r>
-            <a:r>
-              <a:rPr lang="de-DE" dirty="0" err="1"/>
-              <a:t>loading</a:t>
-            </a:r>
-            <a:r>
-              <a:rPr lang="de-DE" dirty="0"/>
-              <a:t>)</a:t>
-            </a:r>
-          </a:p>
-          <a:p>
-            <a:pPr marL="666900" lvl="2" indent="-342900"/>
-            <a:r>
-              <a:rPr lang="de-DE" dirty="0"/>
-              <a:t>Schnelles laden aber langsame Interaktionen</a:t>
-            </a:r>
-          </a:p>
-          <a:p>
-            <a:pPr marL="342900" indent="-342900">
-              <a:buFont typeface="Arial" panose="020B0604020202020204" pitchFamily="34" charset="0"/>
-              <a:buChar char="•"/>
-            </a:pPr>
-            <a:r>
-              <a:rPr lang="de-DE" dirty="0"/>
-              <a:t>Objektive Metriken werden genutzt, um Performance zu messen</a:t>
-            </a:r>
-          </a:p>
-          <a:p>
-            <a:pPr marL="342900" indent="-342900">
-              <a:buFont typeface="Arial" panose="020B0604020202020204" pitchFamily="34" charset="0"/>
-              <a:buChar char="•"/>
-            </a:pPr>
-            <a:endParaRPr lang="de-DE" dirty="0"/>
-          </a:p>
-        </p:txBody>
-      </p:sp>
-      <p:sp>
-        <p:nvSpPr>
-          <p:cNvPr id="4" name="Text Placeholder 3">
-            <a:extLst>
-              <a:ext uri="{FF2B5EF4-FFF2-40B4-BE49-F238E27FC236}">
-                <a16:creationId xmlns:a16="http://schemas.microsoft.com/office/drawing/2014/main" id="{5D9557A3-6F78-B06E-AFD6-A0595FBFEC7D}"/>
-              </a:ext>
-            </a:extLst>
-          </p:cNvPr>
-          <p:cNvSpPr>
-            <a:spLocks noGrp="1"/>
-          </p:cNvSpPr>
-          <p:nvPr>
-            <p:ph type="body" idx="10"/>
-          </p:nvPr>
-        </p:nvSpPr>
-        <p:spPr/>
-        <p:txBody>
-          <a:bodyPr/>
-          <a:lstStyle/>
-          <a:p>
-            <a:endParaRPr lang="de-DE"/>
-          </a:p>
-        </p:txBody>
-      </p:sp>
-    </p:spTree>
-    <p:extLst>
-      <p:ext uri="{BB962C8B-B14F-4D97-AF65-F5344CB8AC3E}">
-        <p14:creationId xmlns:p14="http://schemas.microsoft.com/office/powerpoint/2010/main" val="1228535191"/>
-      </p:ext>
-    </p:extLst>
-  </p:cSld>
-  <p:clrMapOvr>
-    <a:masterClrMapping/>
-  </p:clrMapOvr>
-</p:sld>
-</file>
-
-<file path=ppt/slides/slide34.xml><?xml version="1.0" encoding="utf-8"?>
-<p:sld xmlns:a="http://schemas.openxmlformats.org/drawingml/2006/main" xmlns:r="http://schemas.openxmlformats.org/officeDocument/2006/relationships" xmlns:p="http://schemas.openxmlformats.org/presentationml/2006/main">
-  <p:cSld>
-    <p:spTree>
-      <p:nvGrpSpPr>
-        <p:cNvPr id="1" name=""/>
-        <p:cNvGrpSpPr/>
-        <p:nvPr/>
-      </p:nvGrpSpPr>
-      <p:grpSpPr>
-        <a:xfrm>
-          <a:off x="0" y="0"/>
-          <a:ext cx="0" cy="0"/>
-          <a:chOff x="0" y="0"/>
-          <a:chExt cx="0" cy="0"/>
-        </a:xfrm>
-      </p:grpSpPr>
-      <p:sp>
-        <p:nvSpPr>
-          <p:cNvPr id="2" name="Title 1">
-            <a:extLst>
-              <a:ext uri="{FF2B5EF4-FFF2-40B4-BE49-F238E27FC236}">
                 <a16:creationId xmlns:a16="http://schemas.microsoft.com/office/drawing/2014/main" id="{0856BF04-9E91-7DD8-888D-2DF9E973824D}"/>
               </a:ext>
             </a:extLst>
@@ -13878,7 +13811,7 @@
 </p:sld>
 </file>
 
-<file path=ppt/slides/slide35.xml><?xml version="1.0" encoding="utf-8"?>
+<file path=ppt/slides/slide34.xml><?xml version="1.0" encoding="utf-8"?>
 <p:sld xmlns:a="http://schemas.openxmlformats.org/drawingml/2006/main" xmlns:r="http://schemas.openxmlformats.org/officeDocument/2006/relationships" xmlns:p="http://schemas.openxmlformats.org/presentationml/2006/main">
   <p:cSld>
     <p:spTree>
@@ -14105,7 +14038,7 @@
 </p:sld>
 </file>
 
-<file path=ppt/slides/slide36.xml><?xml version="1.0" encoding="utf-8"?>
+<file path=ppt/slides/slide35.xml><?xml version="1.0" encoding="utf-8"?>
 <p:sld xmlns:a="http://schemas.openxmlformats.org/drawingml/2006/main" xmlns:r="http://schemas.openxmlformats.org/officeDocument/2006/relationships" xmlns:p="http://schemas.openxmlformats.org/presentationml/2006/main">
   <p:cSld>
     <p:spTree>
@@ -14343,7 +14276,7 @@
 </p:sld>
 </file>
 
-<file path=ppt/slides/slide37.xml><?xml version="1.0" encoding="utf-8"?>
+<file path=ppt/slides/slide36.xml><?xml version="1.0" encoding="utf-8"?>
 <p:sld xmlns:a="http://schemas.openxmlformats.org/drawingml/2006/main" xmlns:r="http://schemas.openxmlformats.org/officeDocument/2006/relationships" xmlns:p="http://schemas.openxmlformats.org/presentationml/2006/main">
   <p:cSld>
     <p:spTree>
@@ -14675,7 +14608,7 @@
 </p:sld>
 </file>
 
-<file path=ppt/slides/slide38.xml><?xml version="1.0" encoding="utf-8"?>
+<file path=ppt/slides/slide37.xml><?xml version="1.0" encoding="utf-8"?>
 <p:sld xmlns:a="http://schemas.openxmlformats.org/drawingml/2006/main" xmlns:r="http://schemas.openxmlformats.org/officeDocument/2006/relationships" xmlns:p="http://schemas.openxmlformats.org/presentationml/2006/main">
   <p:cSld>
     <p:spTree>
@@ -14822,7 +14755,7 @@
 </p:sld>
 </file>
 
-<file path=ppt/slides/slide39.xml><?xml version="1.0" encoding="utf-8"?>
+<file path=ppt/slides/slide38.xml><?xml version="1.0" encoding="utf-8"?>
 <p:sld xmlns:a="http://schemas.openxmlformats.org/drawingml/2006/main" xmlns:r="http://schemas.openxmlformats.org/officeDocument/2006/relationships" xmlns:p="http://schemas.openxmlformats.org/presentationml/2006/main">
   <p:cSld>
     <p:spTree>
@@ -15090,6 +15023,254 @@
 </p:sld>
 </file>
 
+<file path=ppt/slides/slide39.xml><?xml version="1.0" encoding="utf-8"?>
+<p:sld xmlns:a="http://schemas.openxmlformats.org/drawingml/2006/main" xmlns:r="http://schemas.openxmlformats.org/officeDocument/2006/relationships" xmlns:p="http://schemas.openxmlformats.org/presentationml/2006/main">
+  <p:cSld>
+    <p:spTree>
+      <p:nvGrpSpPr>
+        <p:cNvPr id="1" name=""/>
+        <p:cNvGrpSpPr/>
+        <p:nvPr/>
+      </p:nvGrpSpPr>
+      <p:grpSpPr>
+        <a:xfrm>
+          <a:off x="0" y="0"/>
+          <a:ext cx="0" cy="0"/>
+          <a:chOff x="0" y="0"/>
+          <a:chExt cx="0" cy="0"/>
+        </a:xfrm>
+      </p:grpSpPr>
+      <p:sp>
+        <p:nvSpPr>
+          <p:cNvPr id="2" name="Title 1">
+            <a:extLst>
+              <a:ext uri="{FF2B5EF4-FFF2-40B4-BE49-F238E27FC236}">
+                <a16:creationId xmlns:a16="http://schemas.microsoft.com/office/drawing/2014/main" id="{9446F682-991A-802B-14DD-057B2498AAC6}"/>
+              </a:ext>
+            </a:extLst>
+          </p:cNvPr>
+          <p:cNvSpPr>
+            <a:spLocks noGrp="1"/>
+          </p:cNvSpPr>
+          <p:nvPr>
+            <p:ph type="title"/>
+          </p:nvPr>
+        </p:nvSpPr>
+        <p:spPr/>
+        <p:txBody>
+          <a:bodyPr/>
+          <a:lstStyle/>
+          <a:p>
+            <a:r>
+              <a:rPr lang="de-DE" dirty="0"/>
+              <a:t>CLS-Score</a:t>
+            </a:r>
+          </a:p>
+        </p:txBody>
+      </p:sp>
+      <p:sp>
+        <p:nvSpPr>
+          <p:cNvPr id="3" name="Content Placeholder 2">
+            <a:extLst>
+              <a:ext uri="{FF2B5EF4-FFF2-40B4-BE49-F238E27FC236}">
+                <a16:creationId xmlns:a16="http://schemas.microsoft.com/office/drawing/2014/main" id="{D1BADCA0-644B-0517-3137-326DAA184430}"/>
+              </a:ext>
+            </a:extLst>
+          </p:cNvPr>
+          <p:cNvSpPr>
+            <a:spLocks noGrp="1"/>
+          </p:cNvSpPr>
+          <p:nvPr>
+            <p:ph idx="1"/>
+          </p:nvPr>
+        </p:nvSpPr>
+        <p:spPr>
+          <a:xfrm>
+            <a:off x="898772" y="1758297"/>
+            <a:ext cx="4721393" cy="3988454"/>
+          </a:xfrm>
+        </p:spPr>
+        <p:txBody>
+          <a:bodyPr/>
+          <a:lstStyle/>
+          <a:p>
+            <a:r>
+              <a:rPr lang="de-DE" dirty="0" err="1"/>
+              <a:t>layout</a:t>
+            </a:r>
+            <a:r>
+              <a:rPr lang="de-DE" dirty="0"/>
+              <a:t> shift score = </a:t>
+            </a:r>
+            <a:r>
+              <a:rPr lang="de-DE" dirty="0" err="1"/>
+              <a:t>impact</a:t>
+            </a:r>
+            <a:r>
+              <a:rPr lang="de-DE" dirty="0"/>
+              <a:t> </a:t>
+            </a:r>
+            <a:r>
+              <a:rPr lang="de-DE" dirty="0" err="1"/>
+              <a:t>fraction</a:t>
+            </a:r>
+            <a:r>
+              <a:rPr lang="de-DE" dirty="0"/>
+              <a:t> * </a:t>
+            </a:r>
+            <a:r>
+              <a:rPr lang="de-DE" dirty="0" err="1"/>
+              <a:t>distance</a:t>
+            </a:r>
+            <a:r>
+              <a:rPr lang="de-DE" dirty="0"/>
+              <a:t> </a:t>
+            </a:r>
+            <a:r>
+              <a:rPr lang="de-DE" dirty="0" err="1"/>
+              <a:t>fraction</a:t>
+            </a:r>
+            <a:endParaRPr lang="de-DE" dirty="0"/>
+          </a:p>
+          <a:p>
+            <a:pPr marL="342900" lvl="1" indent="-342900">
+              <a:buFont typeface="Arial" panose="020B0604020202020204" pitchFamily="34" charset="0"/>
+              <a:buChar char="•"/>
+            </a:pPr>
+            <a:r>
+              <a:rPr lang="de-DE" b="1" dirty="0"/>
+              <a:t>Impact </a:t>
+            </a:r>
+            <a:r>
+              <a:rPr lang="de-DE" b="1" dirty="0" err="1"/>
+              <a:t>fraction</a:t>
+            </a:r>
+            <a:endParaRPr lang="de-DE" b="1" dirty="0"/>
+          </a:p>
+          <a:p>
+            <a:pPr marL="666900" lvl="2" indent="-342900"/>
+            <a:r>
+              <a:rPr lang="de-DE" dirty="0"/>
+              <a:t>Größe des verschobenen Elements vor und nach dem </a:t>
+            </a:r>
+            <a:r>
+              <a:rPr lang="de-DE" dirty="0" err="1"/>
+              <a:t>layout</a:t>
+            </a:r>
+            <a:r>
+              <a:rPr lang="de-DE" dirty="0"/>
+              <a:t> shift relativ zum Viewport</a:t>
+            </a:r>
+          </a:p>
+          <a:p>
+            <a:pPr marL="342900" lvl="1" indent="-342900"/>
+            <a:r>
+              <a:rPr lang="de-DE" b="1" dirty="0" err="1"/>
+              <a:t>Distance</a:t>
+            </a:r>
+            <a:r>
+              <a:rPr lang="de-DE" b="1" dirty="0"/>
+              <a:t> </a:t>
+            </a:r>
+            <a:r>
+              <a:rPr lang="de-DE" b="1" dirty="0" err="1"/>
+              <a:t>Fraction</a:t>
+            </a:r>
+            <a:endParaRPr lang="de-DE" b="1" dirty="0"/>
+          </a:p>
+          <a:p>
+            <a:pPr marL="666900" lvl="2" indent="-342900"/>
+            <a:r>
+              <a:rPr lang="de-DE" dirty="0"/>
+              <a:t>Distanz der Bewegung relativ zum Viewport</a:t>
+            </a:r>
+          </a:p>
+          <a:p>
+            <a:pPr marL="666900" lvl="2" indent="-342900"/>
+            <a:endParaRPr lang="de-DE" b="1" dirty="0"/>
+          </a:p>
+          <a:p>
+            <a:endParaRPr lang="de-DE" dirty="0"/>
+          </a:p>
+        </p:txBody>
+      </p:sp>
+      <p:sp>
+        <p:nvSpPr>
+          <p:cNvPr id="4" name="Text Placeholder 3">
+            <a:extLst>
+              <a:ext uri="{FF2B5EF4-FFF2-40B4-BE49-F238E27FC236}">
+                <a16:creationId xmlns:a16="http://schemas.microsoft.com/office/drawing/2014/main" id="{66068896-65B5-95B5-78CB-79B4D00E7223}"/>
+              </a:ext>
+            </a:extLst>
+          </p:cNvPr>
+          <p:cNvSpPr>
+            <a:spLocks noGrp="1"/>
+          </p:cNvSpPr>
+          <p:nvPr>
+            <p:ph type="body" idx="10"/>
+          </p:nvPr>
+        </p:nvSpPr>
+        <p:spPr/>
+        <p:txBody>
+          <a:bodyPr/>
+          <a:lstStyle/>
+          <a:p>
+            <a:r>
+              <a:rPr lang="de-DE" dirty="0"/>
+              <a:t>Bildquelle: https://web.dev/articles/cls</a:t>
+            </a:r>
+          </a:p>
+        </p:txBody>
+      </p:sp>
+      <p:pic>
+        <p:nvPicPr>
+          <p:cNvPr id="7" name="Picture 6" descr="A comparison of a cell phone&#10;&#10;Description automatically generated">
+            <a:extLst>
+              <a:ext uri="{FF2B5EF4-FFF2-40B4-BE49-F238E27FC236}">
+                <a16:creationId xmlns:a16="http://schemas.microsoft.com/office/drawing/2014/main" id="{C90895B1-1BEE-4DCB-23A8-35CCD1D9F4EC}"/>
+              </a:ext>
+            </a:extLst>
+          </p:cNvPr>
+          <p:cNvPicPr>
+            <a:picLocks noChangeAspect="1"/>
+          </p:cNvPicPr>
+          <p:nvPr/>
+        </p:nvPicPr>
+        <p:blipFill>
+          <a:blip r:embed="rId2" cstate="print">
+            <a:extLst>
+              <a:ext uri="{28A0092B-C50C-407E-A947-70E740481C1C}">
+                <a14:useLocalDpi xmlns:a14="http://schemas.microsoft.com/office/drawing/2010/main" val="0"/>
+              </a:ext>
+            </a:extLst>
+          </a:blip>
+          <a:stretch>
+            <a:fillRect/>
+          </a:stretch>
+        </p:blipFill>
+        <p:spPr>
+          <a:xfrm>
+            <a:off x="5620165" y="1959360"/>
+            <a:ext cx="3400333" cy="2550250"/>
+          </a:xfrm>
+          <a:prstGeom prst="rect">
+            <a:avLst/>
+          </a:prstGeom>
+        </p:spPr>
+      </p:pic>
+    </p:spTree>
+    <p:extLst>
+      <p:ext uri="{BB962C8B-B14F-4D97-AF65-F5344CB8AC3E}">
+        <p14:creationId xmlns:p14="http://schemas.microsoft.com/office/powerpoint/2010/main" val="4016447134"/>
+      </p:ext>
+    </p:extLst>
+  </p:cSld>
+  <p:clrMapOvr>
+    <a:masterClrMapping/>
+  </p:clrMapOvr>
+</p:sld>
+</file>
+
 <file path=ppt/slides/slide4.xml><?xml version="1.0" encoding="utf-8"?>
 <p:sld xmlns:a="http://schemas.openxmlformats.org/drawingml/2006/main" xmlns:r="http://schemas.openxmlformats.org/officeDocument/2006/relationships" xmlns:p="http://schemas.openxmlformats.org/presentationml/2006/main">
   <p:cSld>
@@ -15203,254 +15384,6 @@
       </p:grpSpPr>
       <p:sp>
         <p:nvSpPr>
-          <p:cNvPr id="2" name="Title 1">
-            <a:extLst>
-              <a:ext uri="{FF2B5EF4-FFF2-40B4-BE49-F238E27FC236}">
-                <a16:creationId xmlns:a16="http://schemas.microsoft.com/office/drawing/2014/main" id="{9446F682-991A-802B-14DD-057B2498AAC6}"/>
-              </a:ext>
-            </a:extLst>
-          </p:cNvPr>
-          <p:cNvSpPr>
-            <a:spLocks noGrp="1"/>
-          </p:cNvSpPr>
-          <p:nvPr>
-            <p:ph type="title"/>
-          </p:nvPr>
-        </p:nvSpPr>
-        <p:spPr/>
-        <p:txBody>
-          <a:bodyPr/>
-          <a:lstStyle/>
-          <a:p>
-            <a:r>
-              <a:rPr lang="de-DE" dirty="0"/>
-              <a:t>CLS-Score</a:t>
-            </a:r>
-          </a:p>
-        </p:txBody>
-      </p:sp>
-      <p:sp>
-        <p:nvSpPr>
-          <p:cNvPr id="3" name="Content Placeholder 2">
-            <a:extLst>
-              <a:ext uri="{FF2B5EF4-FFF2-40B4-BE49-F238E27FC236}">
-                <a16:creationId xmlns:a16="http://schemas.microsoft.com/office/drawing/2014/main" id="{D1BADCA0-644B-0517-3137-326DAA184430}"/>
-              </a:ext>
-            </a:extLst>
-          </p:cNvPr>
-          <p:cNvSpPr>
-            <a:spLocks noGrp="1"/>
-          </p:cNvSpPr>
-          <p:nvPr>
-            <p:ph idx="1"/>
-          </p:nvPr>
-        </p:nvSpPr>
-        <p:spPr>
-          <a:xfrm>
-            <a:off x="898772" y="1758297"/>
-            <a:ext cx="4721393" cy="3988454"/>
-          </a:xfrm>
-        </p:spPr>
-        <p:txBody>
-          <a:bodyPr/>
-          <a:lstStyle/>
-          <a:p>
-            <a:r>
-              <a:rPr lang="de-DE" dirty="0" err="1"/>
-              <a:t>layout</a:t>
-            </a:r>
-            <a:r>
-              <a:rPr lang="de-DE" dirty="0"/>
-              <a:t> shift score = </a:t>
-            </a:r>
-            <a:r>
-              <a:rPr lang="de-DE" dirty="0" err="1"/>
-              <a:t>impact</a:t>
-            </a:r>
-            <a:r>
-              <a:rPr lang="de-DE" dirty="0"/>
-              <a:t> </a:t>
-            </a:r>
-            <a:r>
-              <a:rPr lang="de-DE" dirty="0" err="1"/>
-              <a:t>fraction</a:t>
-            </a:r>
-            <a:r>
-              <a:rPr lang="de-DE" dirty="0"/>
-              <a:t> * </a:t>
-            </a:r>
-            <a:r>
-              <a:rPr lang="de-DE" dirty="0" err="1"/>
-              <a:t>distance</a:t>
-            </a:r>
-            <a:r>
-              <a:rPr lang="de-DE" dirty="0"/>
-              <a:t> </a:t>
-            </a:r>
-            <a:r>
-              <a:rPr lang="de-DE" dirty="0" err="1"/>
-              <a:t>fraction</a:t>
-            </a:r>
-            <a:endParaRPr lang="de-DE" dirty="0"/>
-          </a:p>
-          <a:p>
-            <a:pPr marL="342900" lvl="1" indent="-342900">
-              <a:buFont typeface="Arial" panose="020B0604020202020204" pitchFamily="34" charset="0"/>
-              <a:buChar char="•"/>
-            </a:pPr>
-            <a:r>
-              <a:rPr lang="de-DE" b="1" dirty="0"/>
-              <a:t>Impact </a:t>
-            </a:r>
-            <a:r>
-              <a:rPr lang="de-DE" b="1" dirty="0" err="1"/>
-              <a:t>fraction</a:t>
-            </a:r>
-            <a:endParaRPr lang="de-DE" b="1" dirty="0"/>
-          </a:p>
-          <a:p>
-            <a:pPr marL="666900" lvl="2" indent="-342900"/>
-            <a:r>
-              <a:rPr lang="de-DE" dirty="0"/>
-              <a:t>Größe des verschobenen Elements vor und nach dem </a:t>
-            </a:r>
-            <a:r>
-              <a:rPr lang="de-DE" dirty="0" err="1"/>
-              <a:t>layout</a:t>
-            </a:r>
-            <a:r>
-              <a:rPr lang="de-DE" dirty="0"/>
-              <a:t> shift relativ zum Viewport</a:t>
-            </a:r>
-          </a:p>
-          <a:p>
-            <a:pPr marL="342900" lvl="1" indent="-342900"/>
-            <a:r>
-              <a:rPr lang="de-DE" b="1" dirty="0" err="1"/>
-              <a:t>Distance</a:t>
-            </a:r>
-            <a:r>
-              <a:rPr lang="de-DE" b="1" dirty="0"/>
-              <a:t> </a:t>
-            </a:r>
-            <a:r>
-              <a:rPr lang="de-DE" b="1" dirty="0" err="1"/>
-              <a:t>Fraction</a:t>
-            </a:r>
-            <a:endParaRPr lang="de-DE" b="1" dirty="0"/>
-          </a:p>
-          <a:p>
-            <a:pPr marL="666900" lvl="2" indent="-342900"/>
-            <a:r>
-              <a:rPr lang="de-DE" dirty="0"/>
-              <a:t>Distanz der Bewegung relativ zum Viewport</a:t>
-            </a:r>
-          </a:p>
-          <a:p>
-            <a:pPr marL="666900" lvl="2" indent="-342900"/>
-            <a:endParaRPr lang="de-DE" b="1" dirty="0"/>
-          </a:p>
-          <a:p>
-            <a:endParaRPr lang="de-DE" dirty="0"/>
-          </a:p>
-        </p:txBody>
-      </p:sp>
-      <p:sp>
-        <p:nvSpPr>
-          <p:cNvPr id="4" name="Text Placeholder 3">
-            <a:extLst>
-              <a:ext uri="{FF2B5EF4-FFF2-40B4-BE49-F238E27FC236}">
-                <a16:creationId xmlns:a16="http://schemas.microsoft.com/office/drawing/2014/main" id="{66068896-65B5-95B5-78CB-79B4D00E7223}"/>
-              </a:ext>
-            </a:extLst>
-          </p:cNvPr>
-          <p:cNvSpPr>
-            <a:spLocks noGrp="1"/>
-          </p:cNvSpPr>
-          <p:nvPr>
-            <p:ph type="body" idx="10"/>
-          </p:nvPr>
-        </p:nvSpPr>
-        <p:spPr/>
-        <p:txBody>
-          <a:bodyPr/>
-          <a:lstStyle/>
-          <a:p>
-            <a:r>
-              <a:rPr lang="de-DE" dirty="0"/>
-              <a:t>Bildquelle: https://web.dev/articles/cls</a:t>
-            </a:r>
-          </a:p>
-        </p:txBody>
-      </p:sp>
-      <p:pic>
-        <p:nvPicPr>
-          <p:cNvPr id="7" name="Picture 6" descr="A comparison of a cell phone&#10;&#10;Description automatically generated">
-            <a:extLst>
-              <a:ext uri="{FF2B5EF4-FFF2-40B4-BE49-F238E27FC236}">
-                <a16:creationId xmlns:a16="http://schemas.microsoft.com/office/drawing/2014/main" id="{C90895B1-1BEE-4DCB-23A8-35CCD1D9F4EC}"/>
-              </a:ext>
-            </a:extLst>
-          </p:cNvPr>
-          <p:cNvPicPr>
-            <a:picLocks noChangeAspect="1"/>
-          </p:cNvPicPr>
-          <p:nvPr/>
-        </p:nvPicPr>
-        <p:blipFill>
-          <a:blip r:embed="rId2" cstate="print">
-            <a:extLst>
-              <a:ext uri="{28A0092B-C50C-407E-A947-70E740481C1C}">
-                <a14:useLocalDpi xmlns:a14="http://schemas.microsoft.com/office/drawing/2010/main" val="0"/>
-              </a:ext>
-            </a:extLst>
-          </a:blip>
-          <a:stretch>
-            <a:fillRect/>
-          </a:stretch>
-        </p:blipFill>
-        <p:spPr>
-          <a:xfrm>
-            <a:off x="5620165" y="1959360"/>
-            <a:ext cx="3400333" cy="2550250"/>
-          </a:xfrm>
-          <a:prstGeom prst="rect">
-            <a:avLst/>
-          </a:prstGeom>
-        </p:spPr>
-      </p:pic>
-    </p:spTree>
-    <p:extLst>
-      <p:ext uri="{BB962C8B-B14F-4D97-AF65-F5344CB8AC3E}">
-        <p14:creationId xmlns:p14="http://schemas.microsoft.com/office/powerpoint/2010/main" val="4016447134"/>
-      </p:ext>
-    </p:extLst>
-  </p:cSld>
-  <p:clrMapOvr>
-    <a:masterClrMapping/>
-  </p:clrMapOvr>
-</p:sld>
-</file>
-
-<file path=ppt/slides/slide41.xml><?xml version="1.0" encoding="utf-8"?>
-<p:sld xmlns:a="http://schemas.openxmlformats.org/drawingml/2006/main" xmlns:r="http://schemas.openxmlformats.org/officeDocument/2006/relationships" xmlns:p="http://schemas.openxmlformats.org/presentationml/2006/main">
-  <p:cSld>
-    <p:spTree>
-      <p:nvGrpSpPr>
-        <p:cNvPr id="1" name=""/>
-        <p:cNvGrpSpPr/>
-        <p:nvPr/>
-      </p:nvGrpSpPr>
-      <p:grpSpPr>
-        <a:xfrm>
-          <a:off x="0" y="0"/>
-          <a:ext cx="0" cy="0"/>
-          <a:chOff x="0" y="0"/>
-          <a:chExt cx="0" cy="0"/>
-        </a:xfrm>
-      </p:grpSpPr>
-      <p:sp>
-        <p:nvSpPr>
           <p:cNvPr id="3" name="Content Placeholder 2">
             <a:extLst>
               <a:ext uri="{FF2B5EF4-FFF2-40B4-BE49-F238E27FC236}">
@@ -15639,7 +15572,7 @@
 </p:sld>
 </file>
 
-<file path=ppt/slides/slide42.xml><?xml version="1.0" encoding="utf-8"?>
+<file path=ppt/slides/slide41.xml><?xml version="1.0" encoding="utf-8"?>
 <p:sld xmlns:a="http://schemas.openxmlformats.org/drawingml/2006/main" xmlns:r="http://schemas.openxmlformats.org/officeDocument/2006/relationships" xmlns:p="http://schemas.openxmlformats.org/presentationml/2006/main">
   <p:cSld>
     <p:spTree>
@@ -15792,6 +15725,117 @@
 </p:sld>
 </file>
 
+<file path=ppt/slides/slide42.xml><?xml version="1.0" encoding="utf-8"?>
+<p:sld xmlns:a="http://schemas.openxmlformats.org/drawingml/2006/main" xmlns:r="http://schemas.openxmlformats.org/officeDocument/2006/relationships" xmlns:p="http://schemas.openxmlformats.org/presentationml/2006/main">
+  <p:cSld>
+    <p:spTree>
+      <p:nvGrpSpPr>
+        <p:cNvPr id="1" name=""/>
+        <p:cNvGrpSpPr/>
+        <p:nvPr/>
+      </p:nvGrpSpPr>
+      <p:grpSpPr>
+        <a:xfrm>
+          <a:off x="0" y="0"/>
+          <a:ext cx="0" cy="0"/>
+          <a:chOff x="0" y="0"/>
+          <a:chExt cx="0" cy="0"/>
+        </a:xfrm>
+      </p:grpSpPr>
+      <p:sp>
+        <p:nvSpPr>
+          <p:cNvPr id="2" name="Title 1">
+            <a:extLst>
+              <a:ext uri="{FF2B5EF4-FFF2-40B4-BE49-F238E27FC236}">
+                <a16:creationId xmlns:a16="http://schemas.microsoft.com/office/drawing/2014/main" id="{34E53740-293E-7341-7BFE-B4084240A744}"/>
+              </a:ext>
+            </a:extLst>
+          </p:cNvPr>
+          <p:cNvSpPr>
+            <a:spLocks noGrp="1"/>
+          </p:cNvSpPr>
+          <p:nvPr>
+            <p:ph type="title"/>
+          </p:nvPr>
+        </p:nvSpPr>
+        <p:spPr/>
+        <p:txBody>
+          <a:bodyPr/>
+          <a:lstStyle/>
+          <a:p>
+            <a:r>
+              <a:rPr lang="de-DE" dirty="0"/>
+              <a:t>Aufgabe 4</a:t>
+            </a:r>
+          </a:p>
+        </p:txBody>
+      </p:sp>
+      <p:sp>
+        <p:nvSpPr>
+          <p:cNvPr id="3" name="Content Placeholder 2">
+            <a:extLst>
+              <a:ext uri="{FF2B5EF4-FFF2-40B4-BE49-F238E27FC236}">
+                <a16:creationId xmlns:a16="http://schemas.microsoft.com/office/drawing/2014/main" id="{02AB2157-323D-11FC-1AE3-EDFE5BD66820}"/>
+              </a:ext>
+            </a:extLst>
+          </p:cNvPr>
+          <p:cNvSpPr>
+            <a:spLocks noGrp="1"/>
+          </p:cNvSpPr>
+          <p:nvPr>
+            <p:ph idx="1"/>
+          </p:nvPr>
+        </p:nvSpPr>
+        <p:spPr/>
+        <p:txBody>
+          <a:bodyPr/>
+          <a:lstStyle/>
+          <a:p>
+            <a:r>
+              <a:rPr lang="de-DE" dirty="0"/>
+              <a:t>Vergleicht die Performance der drei Anwendungen.</a:t>
+            </a:r>
+          </a:p>
+        </p:txBody>
+      </p:sp>
+      <p:sp>
+        <p:nvSpPr>
+          <p:cNvPr id="4" name="Text Placeholder 3">
+            <a:extLst>
+              <a:ext uri="{FF2B5EF4-FFF2-40B4-BE49-F238E27FC236}">
+                <a16:creationId xmlns:a16="http://schemas.microsoft.com/office/drawing/2014/main" id="{5766803A-014E-4F2B-B5EA-825F187BCA81}"/>
+              </a:ext>
+            </a:extLst>
+          </p:cNvPr>
+          <p:cNvSpPr>
+            <a:spLocks noGrp="1"/>
+          </p:cNvSpPr>
+          <p:nvPr>
+            <p:ph type="body" idx="10"/>
+          </p:nvPr>
+        </p:nvSpPr>
+        <p:spPr/>
+        <p:txBody>
+          <a:bodyPr/>
+          <a:lstStyle/>
+          <a:p>
+            <a:endParaRPr lang="de-DE"/>
+          </a:p>
+        </p:txBody>
+      </p:sp>
+    </p:spTree>
+    <p:extLst>
+      <p:ext uri="{BB962C8B-B14F-4D97-AF65-F5344CB8AC3E}">
+        <p14:creationId xmlns:p14="http://schemas.microsoft.com/office/powerpoint/2010/main" val="2982352705"/>
+      </p:ext>
+    </p:extLst>
+  </p:cSld>
+  <p:clrMapOvr>
+    <a:masterClrMapping/>
+  </p:clrMapOvr>
+</p:sld>
+</file>
+
 <file path=ppt/slides/slide43.xml><?xml version="1.0" encoding="utf-8"?>
 <p:sld xmlns:a="http://schemas.openxmlformats.org/drawingml/2006/main" xmlns:r="http://schemas.openxmlformats.org/officeDocument/2006/relationships" xmlns:p="http://schemas.openxmlformats.org/presentationml/2006/main">
   <p:cSld>
@@ -15814,117 +15858,6 @@
           <p:cNvPr id="2" name="Title 1">
             <a:extLst>
               <a:ext uri="{FF2B5EF4-FFF2-40B4-BE49-F238E27FC236}">
-                <a16:creationId xmlns:a16="http://schemas.microsoft.com/office/drawing/2014/main" id="{34E53740-293E-7341-7BFE-B4084240A744}"/>
-              </a:ext>
-            </a:extLst>
-          </p:cNvPr>
-          <p:cNvSpPr>
-            <a:spLocks noGrp="1"/>
-          </p:cNvSpPr>
-          <p:nvPr>
-            <p:ph type="title"/>
-          </p:nvPr>
-        </p:nvSpPr>
-        <p:spPr/>
-        <p:txBody>
-          <a:bodyPr/>
-          <a:lstStyle/>
-          <a:p>
-            <a:r>
-              <a:rPr lang="de-DE" dirty="0"/>
-              <a:t>Aufgabe 4</a:t>
-            </a:r>
-          </a:p>
-        </p:txBody>
-      </p:sp>
-      <p:sp>
-        <p:nvSpPr>
-          <p:cNvPr id="3" name="Content Placeholder 2">
-            <a:extLst>
-              <a:ext uri="{FF2B5EF4-FFF2-40B4-BE49-F238E27FC236}">
-                <a16:creationId xmlns:a16="http://schemas.microsoft.com/office/drawing/2014/main" id="{02AB2157-323D-11FC-1AE3-EDFE5BD66820}"/>
-              </a:ext>
-            </a:extLst>
-          </p:cNvPr>
-          <p:cNvSpPr>
-            <a:spLocks noGrp="1"/>
-          </p:cNvSpPr>
-          <p:nvPr>
-            <p:ph idx="1"/>
-          </p:nvPr>
-        </p:nvSpPr>
-        <p:spPr/>
-        <p:txBody>
-          <a:bodyPr/>
-          <a:lstStyle/>
-          <a:p>
-            <a:r>
-              <a:rPr lang="de-DE" dirty="0"/>
-              <a:t>Vergleicht die Performance der drei Anwendungen.</a:t>
-            </a:r>
-          </a:p>
-        </p:txBody>
-      </p:sp>
-      <p:sp>
-        <p:nvSpPr>
-          <p:cNvPr id="4" name="Text Placeholder 3">
-            <a:extLst>
-              <a:ext uri="{FF2B5EF4-FFF2-40B4-BE49-F238E27FC236}">
-                <a16:creationId xmlns:a16="http://schemas.microsoft.com/office/drawing/2014/main" id="{5766803A-014E-4F2B-B5EA-825F187BCA81}"/>
-              </a:ext>
-            </a:extLst>
-          </p:cNvPr>
-          <p:cNvSpPr>
-            <a:spLocks noGrp="1"/>
-          </p:cNvSpPr>
-          <p:nvPr>
-            <p:ph type="body" idx="10"/>
-          </p:nvPr>
-        </p:nvSpPr>
-        <p:spPr/>
-        <p:txBody>
-          <a:bodyPr/>
-          <a:lstStyle/>
-          <a:p>
-            <a:endParaRPr lang="de-DE"/>
-          </a:p>
-        </p:txBody>
-      </p:sp>
-    </p:spTree>
-    <p:extLst>
-      <p:ext uri="{BB962C8B-B14F-4D97-AF65-F5344CB8AC3E}">
-        <p14:creationId xmlns:p14="http://schemas.microsoft.com/office/powerpoint/2010/main" val="2982352705"/>
-      </p:ext>
-    </p:extLst>
-  </p:cSld>
-  <p:clrMapOvr>
-    <a:masterClrMapping/>
-  </p:clrMapOvr>
-</p:sld>
-</file>
-
-<file path=ppt/slides/slide44.xml><?xml version="1.0" encoding="utf-8"?>
-<p:sld xmlns:a="http://schemas.openxmlformats.org/drawingml/2006/main" xmlns:r="http://schemas.openxmlformats.org/officeDocument/2006/relationships" xmlns:p="http://schemas.openxmlformats.org/presentationml/2006/main">
-  <p:cSld>
-    <p:spTree>
-      <p:nvGrpSpPr>
-        <p:cNvPr id="1" name=""/>
-        <p:cNvGrpSpPr/>
-        <p:nvPr/>
-      </p:nvGrpSpPr>
-      <p:grpSpPr>
-        <a:xfrm>
-          <a:off x="0" y="0"/>
-          <a:ext cx="0" cy="0"/>
-          <a:chOff x="0" y="0"/>
-          <a:chExt cx="0" cy="0"/>
-        </a:xfrm>
-      </p:grpSpPr>
-      <p:sp>
-        <p:nvSpPr>
-          <p:cNvPr id="2" name="Title 1">
-            <a:extLst>
-              <a:ext uri="{FF2B5EF4-FFF2-40B4-BE49-F238E27FC236}">
                 <a16:creationId xmlns:a16="http://schemas.microsoft.com/office/drawing/2014/main" id="{BF6CD871-8D10-B619-9726-7765FCF9452E}"/>
               </a:ext>
             </a:extLst>
@@ -16061,7 +15994,7 @@
 </p:sld>
 </file>
 
-<file path=ppt/slides/slide45.xml><?xml version="1.0" encoding="utf-8"?>
+<file path=ppt/slides/slide44.xml><?xml version="1.0" encoding="utf-8"?>
 <p:sld xmlns:a="http://schemas.openxmlformats.org/drawingml/2006/main" xmlns:r="http://schemas.openxmlformats.org/officeDocument/2006/relationships" xmlns:p="http://schemas.openxmlformats.org/presentationml/2006/main">
   <p:cSld>
     <p:spTree>
@@ -16489,7 +16422,7 @@
 </p:sld>
 </file>
 
-<file path=ppt/slides/slide46.xml><?xml version="1.0" encoding="utf-8"?>
+<file path=ppt/slides/slide45.xml><?xml version="1.0" encoding="utf-8"?>
 <p:sld xmlns:a="http://schemas.openxmlformats.org/drawingml/2006/main" xmlns:r="http://schemas.openxmlformats.org/officeDocument/2006/relationships" xmlns:p="http://schemas.openxmlformats.org/presentationml/2006/main">
   <p:cSld>
     <p:spTree>
@@ -16650,7 +16583,7 @@
 </p:sld>
 </file>
 
-<file path=ppt/slides/slide47.xml><?xml version="1.0" encoding="utf-8"?>
+<file path=ppt/slides/slide46.xml><?xml version="1.0" encoding="utf-8"?>
 <p:sld xmlns:a="http://schemas.openxmlformats.org/drawingml/2006/main" xmlns:r="http://schemas.openxmlformats.org/officeDocument/2006/relationships" xmlns:p="http://schemas.openxmlformats.org/presentationml/2006/main">
   <p:cSld>
     <p:spTree>
